--- a/Docuemtos_base/proyecto final.pptx
+++ b/Docuemtos_base/proyecto final.pptx
@@ -14,11 +14,12 @@
     <p:sldId id="321" r:id="rId8"/>
     <p:sldId id="323" r:id="rId9"/>
     <p:sldId id="322" r:id="rId10"/>
+    <p:sldId id="324" r:id="rId11"/>
   </p:sldIdLst>
   <p:sldSz cx="12192000" cy="6858000"/>
   <p:notesSz cx="6858000" cy="9144000"/>
   <p:custDataLst>
-    <p:tags r:id="rId11"/>
+    <p:tags r:id="rId12"/>
   </p:custDataLst>
   <p:defaultTextStyle>
     <a:defPPr>
@@ -272,7 +273,7 @@
           <a:p>
             <a:fld id="{20C7AFBE-F2C4-4925-8955-5790DBA5559D}" type="datetimeFigureOut">
               <a:rPr lang="es-CO" smtClean="0"/>
-              <a:t>6/07/2025</a:t>
+              <a:t>22/08/2025</a:t>
             </a:fld>
             <a:endParaRPr lang="es-CO"/>
           </a:p>
@@ -472,7 +473,7 @@
           <a:p>
             <a:fld id="{20C7AFBE-F2C4-4925-8955-5790DBA5559D}" type="datetimeFigureOut">
               <a:rPr lang="es-CO" smtClean="0"/>
-              <a:t>6/07/2025</a:t>
+              <a:t>22/08/2025</a:t>
             </a:fld>
             <a:endParaRPr lang="es-CO"/>
           </a:p>
@@ -682,7 +683,7 @@
           <a:p>
             <a:fld id="{20C7AFBE-F2C4-4925-8955-5790DBA5559D}" type="datetimeFigureOut">
               <a:rPr lang="es-CO" smtClean="0"/>
-              <a:t>6/07/2025</a:t>
+              <a:t>22/08/2025</a:t>
             </a:fld>
             <a:endParaRPr lang="es-CO"/>
           </a:p>
@@ -882,7 +883,7 @@
           <a:p>
             <a:fld id="{20C7AFBE-F2C4-4925-8955-5790DBA5559D}" type="datetimeFigureOut">
               <a:rPr lang="es-CO" smtClean="0"/>
-              <a:t>6/07/2025</a:t>
+              <a:t>22/08/2025</a:t>
             </a:fld>
             <a:endParaRPr lang="es-CO"/>
           </a:p>
@@ -1158,7 +1159,7 @@
           <a:p>
             <a:fld id="{20C7AFBE-F2C4-4925-8955-5790DBA5559D}" type="datetimeFigureOut">
               <a:rPr lang="es-CO" smtClean="0"/>
-              <a:t>6/07/2025</a:t>
+              <a:t>22/08/2025</a:t>
             </a:fld>
             <a:endParaRPr lang="es-CO"/>
           </a:p>
@@ -1426,7 +1427,7 @@
           <a:p>
             <a:fld id="{20C7AFBE-F2C4-4925-8955-5790DBA5559D}" type="datetimeFigureOut">
               <a:rPr lang="es-CO" smtClean="0"/>
-              <a:t>6/07/2025</a:t>
+              <a:t>22/08/2025</a:t>
             </a:fld>
             <a:endParaRPr lang="es-CO"/>
           </a:p>
@@ -1841,7 +1842,7 @@
           <a:p>
             <a:fld id="{20C7AFBE-F2C4-4925-8955-5790DBA5559D}" type="datetimeFigureOut">
               <a:rPr lang="es-CO" smtClean="0"/>
-              <a:t>6/07/2025</a:t>
+              <a:t>22/08/2025</a:t>
             </a:fld>
             <a:endParaRPr lang="es-CO"/>
           </a:p>
@@ -1983,7 +1984,7 @@
           <a:p>
             <a:fld id="{20C7AFBE-F2C4-4925-8955-5790DBA5559D}" type="datetimeFigureOut">
               <a:rPr lang="es-CO" smtClean="0"/>
-              <a:t>6/07/2025</a:t>
+              <a:t>22/08/2025</a:t>
             </a:fld>
             <a:endParaRPr lang="es-CO"/>
           </a:p>
@@ -2096,7 +2097,7 @@
           <a:p>
             <a:fld id="{20C7AFBE-F2C4-4925-8955-5790DBA5559D}" type="datetimeFigureOut">
               <a:rPr lang="es-CO" smtClean="0"/>
-              <a:t>6/07/2025</a:t>
+              <a:t>22/08/2025</a:t>
             </a:fld>
             <a:endParaRPr lang="es-CO"/>
           </a:p>
@@ -2409,7 +2410,7 @@
           <a:p>
             <a:fld id="{20C7AFBE-F2C4-4925-8955-5790DBA5559D}" type="datetimeFigureOut">
               <a:rPr lang="es-CO" smtClean="0"/>
-              <a:t>6/07/2025</a:t>
+              <a:t>22/08/2025</a:t>
             </a:fld>
             <a:endParaRPr lang="es-CO"/>
           </a:p>
@@ -2698,7 +2699,7 @@
           <a:p>
             <a:fld id="{20C7AFBE-F2C4-4925-8955-5790DBA5559D}" type="datetimeFigureOut">
               <a:rPr lang="es-CO" smtClean="0"/>
-              <a:t>6/07/2025</a:t>
+              <a:t>22/08/2025</a:t>
             </a:fld>
             <a:endParaRPr lang="es-CO"/>
           </a:p>
@@ -2941,7 +2942,7 @@
           <a:p>
             <a:fld id="{20C7AFBE-F2C4-4925-8955-5790DBA5559D}" type="datetimeFigureOut">
               <a:rPr lang="es-CO" smtClean="0"/>
-              <a:t>6/07/2025</a:t>
+              <a:t>22/08/2025</a:t>
             </a:fld>
             <a:endParaRPr lang="es-CO"/>
           </a:p>
@@ -3481,7 +3482,7 @@
         <p:spPr>
           <a:xfrm>
             <a:off x="893435" y="3605944"/>
-            <a:ext cx="4940455" cy="1287532"/>
+            <a:ext cx="4158190" cy="1287532"/>
           </a:xfrm>
           <a:prstGeom prst="rect">
             <a:avLst/>
@@ -3511,7 +3512,7 @@
                 <a:ea typeface="Roboto Black" panose="02000000000000000000" pitchFamily="2" charset="0"/>
                 <a:cs typeface="Arial" panose="020B0604020202020204" pitchFamily="34" charset="0"/>
               </a:rPr>
-              <a:t>Exploración de costos de generación, </a:t>
+              <a:t>Modelo predictivo usando datos de </a:t>
             </a:r>
           </a:p>
           <a:p>
@@ -3529,7 +3530,7 @@
                 <a:ea typeface="Roboto Black" panose="02000000000000000000" pitchFamily="2" charset="0"/>
                 <a:cs typeface="Arial" panose="020B0604020202020204" pitchFamily="34" charset="0"/>
               </a:rPr>
-              <a:t>distribución y comercialización de energía </a:t>
+              <a:t>contagio y datos meteorológicos </a:t>
             </a:r>
           </a:p>
           <a:p>
@@ -3547,19 +3548,16 @@
                 <a:ea typeface="Roboto Black" panose="02000000000000000000" pitchFamily="2" charset="0"/>
                 <a:cs typeface="Arial" panose="020B0604020202020204" pitchFamily="34" charset="0"/>
               </a:rPr>
-              <a:t>con base en datos reales del año 2023</a:t>
-            </a:r>
-            <a:r>
-              <a:rPr lang="en-US" b="1" dirty="0">
-                <a:solidFill>
-                  <a:schemeClr val="bg1"/>
-                </a:solidFill>
-                <a:latin typeface="Arial" panose="020B0604020202020204" pitchFamily="34" charset="0"/>
-                <a:ea typeface="Roboto Black" panose="02000000000000000000" pitchFamily="2" charset="0"/>
-                <a:cs typeface="Arial" panose="020B0604020202020204" pitchFamily="34" charset="0"/>
-              </a:rPr>
-              <a:t> </a:t>
-            </a:r>
+              <a:t>reales hasta el año 2025</a:t>
+            </a:r>
+            <a:endParaRPr lang="en-US" b="1" dirty="0">
+              <a:solidFill>
+                <a:schemeClr val="bg1"/>
+              </a:solidFill>
+              <a:latin typeface="Arial" panose="020B0604020202020204" pitchFamily="34" charset="0"/>
+              <a:ea typeface="Roboto Black" panose="02000000000000000000" pitchFamily="2" charset="0"/>
+              <a:cs typeface="Arial" panose="020B0604020202020204" pitchFamily="34" charset="0"/>
+            </a:endParaRPr>
           </a:p>
         </p:txBody>
       </p:sp>
@@ -3613,8 +3611,8 @@
         </p:nvSpPr>
         <p:spPr>
           <a:xfrm>
-            <a:off x="893435" y="2122627"/>
-            <a:ext cx="6207967" cy="1569660"/>
+            <a:off x="801071" y="2254688"/>
+            <a:ext cx="6207967" cy="1077218"/>
           </a:xfrm>
           <a:prstGeom prst="rect">
             <a:avLst/>
@@ -3639,7 +3637,7 @@
                 <a:ea typeface="Roboto Black" panose="02000000000000000000" pitchFamily="2" charset="0"/>
                 <a:cs typeface="Arial" panose="020B0604020202020204" pitchFamily="34" charset="0"/>
               </a:rPr>
-              <a:t>Análisis Exploratorio de Datos sobre Costos Energéticos en Colombia - 2023</a:t>
+              <a:t>Predicción de casos de dengue en el Caquetá</a:t>
             </a:r>
             <a:endParaRPr lang="en-US" sz="3200" b="1" dirty="0">
               <a:solidFill>
@@ -3659,6 +3657,165 @@
     <p:extLst>
       <p:ext uri="{BB962C8B-B14F-4D97-AF65-F5344CB8AC3E}">
         <p14:creationId xmlns:p14="http://schemas.microsoft.com/office/powerpoint/2010/main" val="1956282731"/>
+      </p:ext>
+    </p:extLst>
+  </p:cSld>
+  <p:clrMapOvr>
+    <a:masterClrMapping/>
+  </p:clrMapOvr>
+</p:sld>
+</file>
+
+<file path=ppt/slides/slide10.xml><?xml version="1.0" encoding="utf-8"?>
+<p:sld xmlns:a="http://schemas.openxmlformats.org/drawingml/2006/main" xmlns:r="http://schemas.openxmlformats.org/officeDocument/2006/relationships" xmlns:p="http://schemas.openxmlformats.org/presentationml/2006/main">
+  <p:cSld>
+    <p:spTree>
+      <p:nvGrpSpPr>
+        <p:cNvPr id="1" name="">
+          <a:extLst>
+            <a:ext uri="{FF2B5EF4-FFF2-40B4-BE49-F238E27FC236}">
+              <a16:creationId xmlns:a16="http://schemas.microsoft.com/office/drawing/2014/main" id="{E297F6D9-7E24-5FAA-D782-5E93A4DDA46F}"/>
+            </a:ext>
+          </a:extLst>
+        </p:cNvPr>
+        <p:cNvGrpSpPr/>
+        <p:nvPr/>
+      </p:nvGrpSpPr>
+      <p:grpSpPr>
+        <a:xfrm>
+          <a:off x="0" y="0"/>
+          <a:ext cx="0" cy="0"/>
+          <a:chOff x="0" y="0"/>
+          <a:chExt cx="0" cy="0"/>
+        </a:xfrm>
+      </p:grpSpPr>
+      <p:pic>
+        <p:nvPicPr>
+          <p:cNvPr id="6" name="Picture 5" descr="A screenshot of a computer&#10;&#10;Description automatically generated">
+            <a:extLst>
+              <a:ext uri="{FF2B5EF4-FFF2-40B4-BE49-F238E27FC236}">
+                <a16:creationId xmlns:a16="http://schemas.microsoft.com/office/drawing/2014/main" id="{D5193353-4300-B73F-698C-640E5EB8918A}"/>
+              </a:ext>
+            </a:extLst>
+          </p:cNvPr>
+          <p:cNvPicPr>
+            <a:picLocks noGrp="1" noRot="1" noChangeAspect="1" noMove="1" noResize="1" noEditPoints="1" noAdjustHandles="1" noChangeArrowheads="1" noChangeShapeType="1" noCrop="1"/>
+          </p:cNvPicPr>
+          <p:nvPr/>
+        </p:nvPicPr>
+        <p:blipFill>
+          <a:blip r:embed="rId3">
+            <a:extLst>
+              <a:ext uri="{28A0092B-C50C-407E-A947-70E740481C1C}">
+                <a14:useLocalDpi xmlns:a14="http://schemas.microsoft.com/office/drawing/2010/main" val="0"/>
+              </a:ext>
+            </a:extLst>
+          </a:blip>
+          <a:stretch>
+            <a:fillRect/>
+          </a:stretch>
+        </p:blipFill>
+        <p:spPr>
+          <a:xfrm>
+            <a:off x="0" y="0"/>
+            <a:ext cx="12192000" cy="6858000"/>
+          </a:xfrm>
+          <a:prstGeom prst="rect">
+            <a:avLst/>
+          </a:prstGeom>
+        </p:spPr>
+      </p:pic>
+      <p:sp>
+        <p:nvSpPr>
+          <p:cNvPr id="3" name="CuadroTexto 2">
+            <a:extLst>
+              <a:ext uri="{FF2B5EF4-FFF2-40B4-BE49-F238E27FC236}">
+                <a16:creationId xmlns:a16="http://schemas.microsoft.com/office/drawing/2014/main" id="{FA2BB1A1-E560-9639-5E45-426D2C4087CD}"/>
+              </a:ext>
+            </a:extLst>
+          </p:cNvPr>
+          <p:cNvSpPr txBox="1"/>
+          <p:nvPr/>
+        </p:nvSpPr>
+        <p:spPr>
+          <a:xfrm>
+            <a:off x="3048681" y="221783"/>
+            <a:ext cx="6094638" cy="369332"/>
+          </a:xfrm>
+          <a:prstGeom prst="rect">
+            <a:avLst/>
+          </a:prstGeom>
+          <a:noFill/>
+        </p:spPr>
+        <p:txBody>
+          <a:bodyPr wrap="square">
+            <a:spAutoFit/>
+          </a:bodyPr>
+          <a:lstStyle/>
+          <a:p>
+            <a:pPr algn="ctr"/>
+            <a:r>
+              <a:rPr lang="es-ES" sz="1800" b="1" dirty="0">
+                <a:solidFill>
+                  <a:srgbClr val="A08EF1"/>
+                </a:solidFill>
+                <a:latin typeface="Arial" panose="020B0604020202020204" pitchFamily="34" charset="0"/>
+                <a:ea typeface="Roboto Black" panose="02000000000000000000" pitchFamily="2" charset="0"/>
+                <a:cs typeface="Arial" panose="020B0604020202020204" pitchFamily="34" charset="0"/>
+              </a:rPr>
+              <a:t>resultados</a:t>
+            </a:r>
+            <a:endParaRPr lang="es-CO" dirty="0">
+              <a:solidFill>
+                <a:srgbClr val="A08EF1"/>
+              </a:solidFill>
+            </a:endParaRPr>
+          </a:p>
+        </p:txBody>
+      </p:sp>
+      <p:pic>
+        <p:nvPicPr>
+          <p:cNvPr id="8" name="Imagen 7" descr="Imagen que contiene Interfaz de usuario gráfica&#10;&#10;El contenido generado por IA puede ser incorrecto.">
+            <a:extLst>
+              <a:ext uri="{FF2B5EF4-FFF2-40B4-BE49-F238E27FC236}">
+                <a16:creationId xmlns:a16="http://schemas.microsoft.com/office/drawing/2014/main" id="{4838FC15-E6A1-1F5C-64A9-723E825DCB70}"/>
+              </a:ext>
+            </a:extLst>
+          </p:cNvPr>
+          <p:cNvPicPr>
+            <a:picLocks noChangeAspect="1"/>
+          </p:cNvPicPr>
+          <p:nvPr/>
+        </p:nvPicPr>
+        <p:blipFill>
+          <a:blip r:embed="rId4">
+            <a:extLst>
+              <a:ext uri="{28A0092B-C50C-407E-A947-70E740481C1C}">
+                <a14:useLocalDpi xmlns:a14="http://schemas.microsoft.com/office/drawing/2010/main" val="0"/>
+              </a:ext>
+            </a:extLst>
+          </a:blip>
+          <a:stretch>
+            <a:fillRect/>
+          </a:stretch>
+        </p:blipFill>
+        <p:spPr>
+          <a:xfrm>
+            <a:off x="1203281" y="812898"/>
+            <a:ext cx="9785437" cy="4839133"/>
+          </a:xfrm>
+          <a:prstGeom prst="rect">
+            <a:avLst/>
+          </a:prstGeom>
+        </p:spPr>
+      </p:pic>
+    </p:spTree>
+    <p:custDataLst>
+      <p:tags r:id="rId1"/>
+    </p:custDataLst>
+    <p:extLst>
+      <p:ext uri="{BB962C8B-B14F-4D97-AF65-F5344CB8AC3E}">
+        <p14:creationId xmlns:p14="http://schemas.microsoft.com/office/powerpoint/2010/main" val="2126246820"/>
       </p:ext>
     </p:extLst>
   </p:cSld>
@@ -3803,7 +3960,7 @@
                 <a:latin typeface="Arial" panose="020B0604020202020204" pitchFamily="34" charset="0"/>
                 <a:cs typeface="Arial" panose="020B0604020202020204" pitchFamily="34" charset="0"/>
               </a:rPr>
-              <a:t>Importancia del análisis de datos en el sector energético.</a:t>
+              <a:t>Importancia del análisis de datos en el sector salud</a:t>
             </a:r>
             <a:endParaRPr lang="es-CO" b="1" dirty="0">
               <a:latin typeface="Arial" panose="020B0604020202020204" pitchFamily="34" charset="0"/>
@@ -3827,7 +3984,7 @@
         <p:spPr>
           <a:xfrm>
             <a:off x="520700" y="2298700"/>
-            <a:ext cx="3797300" cy="2031325"/>
+            <a:ext cx="3797300" cy="2862322"/>
           </a:xfrm>
           <a:prstGeom prst="rect">
             <a:avLst/>
@@ -3842,7 +3999,19 @@
           <a:p>
             <a:r>
               <a:rPr lang="es-ES" dirty="0"/>
-              <a:t>Este proyecto busca comprender la estructura de costos energéticos en Colombia durante 2023 mediante técnicas estadísticas y de visualización de datos, con el fin de identificar patrones, anomalías y relaciones entre variables clave del sistema.</a:t>
+              <a:t>El Dengue es una enfermedad transmitida por el mosquito </a:t>
+            </a:r>
+            <a:r>
+              <a:rPr lang="es-ES" i="1" dirty="0"/>
+              <a:t>Aedes </a:t>
+            </a:r>
+            <a:r>
+              <a:rPr lang="es-ES" i="1" dirty="0" err="1"/>
+              <a:t>aegypti</a:t>
+            </a:r>
+            <a:r>
+              <a:rPr lang="es-ES" dirty="0"/>
+              <a:t> cuya propagación está influenciada por factores ambientales. En el Caquetá, el análisis de datos históricos de contagio y condiciones climáticas resulta clave para comprender su dinámica y desarrollar modelos predictivos que apoyen la prevención y el control de brotes.</a:t>
             </a:r>
             <a:endParaRPr lang="es-CO" dirty="0"/>
           </a:p>
@@ -3895,10 +4064,10 @@
       </p:sp>
       <p:pic>
         <p:nvPicPr>
-          <p:cNvPr id="11" name="Imagen 10">
-            <a:extLst>
-              <a:ext uri="{FF2B5EF4-FFF2-40B4-BE49-F238E27FC236}">
-                <a16:creationId xmlns:a16="http://schemas.microsoft.com/office/drawing/2014/main" id="{F1284727-1863-47F2-99CD-E8A734E24455}"/>
+          <p:cNvPr id="13" name="Imagen 12" descr="Imagen que contiene Gráfico">
+            <a:extLst>
+              <a:ext uri="{FF2B5EF4-FFF2-40B4-BE49-F238E27FC236}">
+                <a16:creationId xmlns:a16="http://schemas.microsoft.com/office/drawing/2014/main" id="{F204A1C7-F6C9-4785-8628-B2CA03363E43}"/>
               </a:ext>
             </a:extLst>
           </p:cNvPr>
@@ -3921,8 +4090,8 @@
         </p:blipFill>
         <p:spPr>
           <a:xfrm>
-            <a:off x="5012758" y="1545310"/>
-            <a:ext cx="7048500" cy="3627450"/>
+            <a:off x="4590273" y="1737276"/>
+            <a:ext cx="7329453" cy="3636096"/>
           </a:xfrm>
           <a:prstGeom prst="rect">
             <a:avLst/>
@@ -4088,8 +4257,8 @@
         </p:nvSpPr>
         <p:spPr>
           <a:xfrm>
-            <a:off x="889000" y="902983"/>
-            <a:ext cx="5942652" cy="369332"/>
+            <a:off x="588609" y="764455"/>
+            <a:ext cx="5878532" cy="369332"/>
           </a:xfrm>
           <a:prstGeom prst="rect">
             <a:avLst/>
@@ -4106,7 +4275,7 @@
                 <a:latin typeface="Arial" panose="020B0604020202020204" pitchFamily="34" charset="0"/>
                 <a:cs typeface="Arial" panose="020B0604020202020204" pitchFamily="34" charset="0"/>
               </a:rPr>
-              <a:t>¿Por qué es importante analizar los costos energéticos?</a:t>
+              <a:t>¿Por qué es importante analizar los casos de contagio?</a:t>
             </a:r>
             <a:endParaRPr lang="es-CO" dirty="0">
               <a:latin typeface="Arial" panose="020B0604020202020204" pitchFamily="34" charset="0"/>
@@ -4115,12 +4284,73 @@
           </a:p>
         </p:txBody>
       </p:sp>
+      <p:sp>
+        <p:nvSpPr>
+          <p:cNvPr id="4" name="Rectángulo 3">
+            <a:extLst>
+              <a:ext uri="{FF2B5EF4-FFF2-40B4-BE49-F238E27FC236}">
+                <a16:creationId xmlns:a16="http://schemas.microsoft.com/office/drawing/2014/main" id="{409B34FE-8A38-429C-8FD6-189E13438910}"/>
+              </a:ext>
+            </a:extLst>
+          </p:cNvPr>
+          <p:cNvSpPr/>
+          <p:nvPr/>
+        </p:nvSpPr>
+        <p:spPr>
+          <a:xfrm>
+            <a:off x="7909560" y="1305341"/>
+            <a:ext cx="3755505" cy="4247317"/>
+          </a:xfrm>
+          <a:prstGeom prst="rect">
+            <a:avLst/>
+          </a:prstGeom>
+        </p:spPr>
+        <p:txBody>
+          <a:bodyPr wrap="square">
+            <a:spAutoFit/>
+          </a:bodyPr>
+          <a:lstStyle/>
+          <a:p>
+            <a:pPr algn="r"/>
+            <a:r>
+              <a:rPr lang="es-ES" dirty="0"/>
+              <a:t>En el departamento del Caquetá el Dengue representa un desafío constante para la salud pública, dado el aumento de casos y la presencia de condiciones climáticas favorables para la proliferación del mosquito </a:t>
+            </a:r>
+            <a:r>
+              <a:rPr lang="es-ES" i="1" dirty="0"/>
+              <a:t>Aedes </a:t>
+            </a:r>
+            <a:r>
+              <a:rPr lang="es-ES" i="1" dirty="0" err="1"/>
+              <a:t>aegypti</a:t>
+            </a:r>
+            <a:r>
+              <a:rPr lang="es-ES" dirty="0"/>
+              <a:t>. Sin embargo, la ausencia de modelos predictivos limita la capacidad de anticipar brotes y aplicar estrategias preventivas oportunas, lo que incrementa el riesgo de afectación en la población, especialmente en grupos vulnerables como niños y adolescentes.</a:t>
+            </a:r>
+          </a:p>
+          <a:p>
+            <a:pPr algn="r"/>
+            <a:r>
+              <a:rPr lang="es-ES" dirty="0">
+                <a:latin typeface="Arial" panose="020B0604020202020204" pitchFamily="34" charset="0"/>
+                <a:cs typeface="Arial" panose="020B0604020202020204" pitchFamily="34" charset="0"/>
+              </a:rPr>
+              <a:t>.</a:t>
+            </a:r>
+            <a:endParaRPr lang="es-CO" dirty="0">
+              <a:latin typeface="Arial" panose="020B0604020202020204" pitchFamily="34" charset="0"/>
+              <a:cs typeface="Arial" panose="020B0604020202020204" pitchFamily="34" charset="0"/>
+            </a:endParaRPr>
+          </a:p>
+        </p:txBody>
+      </p:sp>
       <p:pic>
         <p:nvPicPr>
-          <p:cNvPr id="7" name="Imagen 6">
-            <a:extLst>
-              <a:ext uri="{FF2B5EF4-FFF2-40B4-BE49-F238E27FC236}">
-                <a16:creationId xmlns:a16="http://schemas.microsoft.com/office/drawing/2014/main" id="{E7C2296D-18A9-4775-AD87-5A5CA0D5ABED}"/>
+          <p:cNvPr id="8" name="Imagen 7" descr="Gráfico, Gráfico de barras&#10;&#10;El contenido generado por IA puede ser incorrecto.">
+            <a:extLst>
+              <a:ext uri="{FF2B5EF4-FFF2-40B4-BE49-F238E27FC236}">
+                <a16:creationId xmlns:a16="http://schemas.microsoft.com/office/drawing/2014/main" id="{E0CD33BE-F703-446B-933A-CF90121BE882}"/>
               </a:ext>
             </a:extLst>
           </p:cNvPr>
@@ -4137,62 +4367,95 @@
               </a:ext>
             </a:extLst>
           </a:blip>
+          <a:srcRect l="8215" r="9019"/>
           <a:stretch>
             <a:fillRect/>
           </a:stretch>
         </p:blipFill>
         <p:spPr>
           <a:xfrm>
-            <a:off x="529717" y="2275796"/>
-            <a:ext cx="7113509" cy="3679221"/>
+            <a:off x="427875" y="1133787"/>
+            <a:ext cx="3606759" cy="2170512"/>
           </a:xfrm>
           <a:prstGeom prst="rect">
             <a:avLst/>
           </a:prstGeom>
         </p:spPr>
       </p:pic>
-      <p:sp>
-        <p:nvSpPr>
-          <p:cNvPr id="4" name="Rectángulo 3">
-            <a:extLst>
-              <a:ext uri="{FF2B5EF4-FFF2-40B4-BE49-F238E27FC236}">
-                <a16:creationId xmlns:a16="http://schemas.microsoft.com/office/drawing/2014/main" id="{409B34FE-8A38-429C-8FD6-189E13438910}"/>
-              </a:ext>
-            </a:extLst>
-          </p:cNvPr>
-          <p:cNvSpPr/>
+      <p:pic>
+        <p:nvPicPr>
+          <p:cNvPr id="10" name="Imagen 9" descr="Gráfico, Gráfico de barras&#10;&#10;El contenido generado por IA puede ser incorrecto.">
+            <a:extLst>
+              <a:ext uri="{FF2B5EF4-FFF2-40B4-BE49-F238E27FC236}">
+                <a16:creationId xmlns:a16="http://schemas.microsoft.com/office/drawing/2014/main" id="{5686E84D-80C7-0E54-19EB-AD10423D0110}"/>
+              </a:ext>
+            </a:extLst>
+          </p:cNvPr>
+          <p:cNvPicPr>
+            <a:picLocks noChangeAspect="1"/>
+          </p:cNvPicPr>
           <p:nvPr/>
-        </p:nvSpPr>
-        <p:spPr>
-          <a:xfrm>
-            <a:off x="3860326" y="1346208"/>
-            <a:ext cx="8254319" cy="1200329"/>
+        </p:nvPicPr>
+        <p:blipFill>
+          <a:blip r:embed="rId5">
+            <a:extLst>
+              <a:ext uri="{28A0092B-C50C-407E-A947-70E740481C1C}">
+                <a14:useLocalDpi xmlns:a14="http://schemas.microsoft.com/office/drawing/2010/main" val="0"/>
+              </a:ext>
+            </a:extLst>
+          </a:blip>
+          <a:srcRect l="6849" r="7315"/>
+          <a:stretch>
+            <a:fillRect/>
+          </a:stretch>
+        </p:blipFill>
+        <p:spPr>
+          <a:xfrm>
+            <a:off x="4034634" y="1133787"/>
+            <a:ext cx="3755505" cy="2170513"/>
           </a:xfrm>
           <a:prstGeom prst="rect">
             <a:avLst/>
           </a:prstGeom>
         </p:spPr>
-        <p:txBody>
-          <a:bodyPr wrap="square">
-            <a:spAutoFit/>
-          </a:bodyPr>
-          <a:lstStyle/>
-          <a:p>
-            <a:pPr algn="r"/>
-            <a:r>
-              <a:rPr lang="es-ES" dirty="0">
-                <a:latin typeface="Arial" panose="020B0604020202020204" pitchFamily="34" charset="0"/>
-                <a:cs typeface="Arial" panose="020B0604020202020204" pitchFamily="34" charset="0"/>
-              </a:rPr>
-              <a:t>La variabilidad en los costos de generación, distribución y comercialización puede afectar significativamente la economía y el acceso de la población a la energía. Analizar estos datos permite mejorar la eficiencia del sistema y proponer mejoras regulatorias o técnicas.</a:t>
-            </a:r>
-            <a:endParaRPr lang="es-CO" dirty="0">
-              <a:latin typeface="Arial" panose="020B0604020202020204" pitchFamily="34" charset="0"/>
-              <a:cs typeface="Arial" panose="020B0604020202020204" pitchFamily="34" charset="0"/>
-            </a:endParaRPr>
-          </a:p>
-        </p:txBody>
-      </p:sp>
+      </p:pic>
+      <p:pic>
+        <p:nvPicPr>
+          <p:cNvPr id="12" name="Imagen 11" descr="Gráfico, Histograma">
+            <a:extLst>
+              <a:ext uri="{FF2B5EF4-FFF2-40B4-BE49-F238E27FC236}">
+                <a16:creationId xmlns:a16="http://schemas.microsoft.com/office/drawing/2014/main" id="{015627C2-F3DF-7674-0A1C-EB6C66CDAC76}"/>
+              </a:ext>
+            </a:extLst>
+          </p:cNvPr>
+          <p:cNvPicPr>
+            <a:picLocks noChangeAspect="1"/>
+          </p:cNvPicPr>
+          <p:nvPr/>
+        </p:nvPicPr>
+        <p:blipFill>
+          <a:blip r:embed="rId6">
+            <a:extLst>
+              <a:ext uri="{28A0092B-C50C-407E-A947-70E740481C1C}">
+                <a14:useLocalDpi xmlns:a14="http://schemas.microsoft.com/office/drawing/2010/main" val="0"/>
+              </a:ext>
+            </a:extLst>
+          </a:blip>
+          <a:srcRect l="7947" r="8837"/>
+          <a:stretch>
+            <a:fillRect/>
+          </a:stretch>
+        </p:blipFill>
+        <p:spPr>
+          <a:xfrm>
+            <a:off x="2116120" y="3347983"/>
+            <a:ext cx="4605469" cy="2745562"/>
+          </a:xfrm>
+          <a:prstGeom prst="rect">
+            <a:avLst/>
+          </a:prstGeom>
+        </p:spPr>
+      </p:pic>
     </p:spTree>
     <p:custDataLst>
       <p:tags r:id="rId1"/>
@@ -4330,8 +4593,8 @@
         </p:nvSpPr>
         <p:spPr>
           <a:xfrm>
-            <a:off x="6007100" y="1674674"/>
-            <a:ext cx="6096000" cy="1754326"/>
+            <a:off x="5824220" y="1674674"/>
+            <a:ext cx="6096000" cy="2585323"/>
           </a:xfrm>
           <a:prstGeom prst="rect">
             <a:avLst/>
@@ -4361,11 +4624,8 @@
               <a:buChar char="•"/>
             </a:pPr>
             <a:r>
-              <a:rPr lang="es-ES" dirty="0">
-                <a:latin typeface="Arial" panose="020B0604020202020204" pitchFamily="34" charset="0"/>
-                <a:cs typeface="Arial" panose="020B0604020202020204" pitchFamily="34" charset="0"/>
-              </a:rPr>
-              <a:t>Limpiar y preparar los datos de costos energéticos.</a:t>
+              <a:rPr lang="es-ES" dirty="0"/>
+              <a:t>Analizar los datos históricos de casos de Dengue en el departamento del Caquetá.</a:t>
             </a:r>
           </a:p>
           <a:p>
@@ -4374,11 +4634,8 @@
               <a:buChar char="•"/>
             </a:pPr>
             <a:r>
-              <a:rPr lang="es-ES" dirty="0">
-                <a:latin typeface="Arial" panose="020B0604020202020204" pitchFamily="34" charset="0"/>
-                <a:cs typeface="Arial" panose="020B0604020202020204" pitchFamily="34" charset="0"/>
-              </a:rPr>
-              <a:t>Realizar un análisis exploratorio detallado.</a:t>
+              <a:rPr lang="es-ES" dirty="0"/>
+              <a:t>Evaluar la relación entre variables meteorológicas y la incidencia de la enfermedad</a:t>
             </a:r>
           </a:p>
           <a:p>
@@ -4387,11 +4644,8 @@
               <a:buChar char="•"/>
             </a:pPr>
             <a:r>
-              <a:rPr lang="es-ES" dirty="0">
-                <a:latin typeface="Arial" panose="020B0604020202020204" pitchFamily="34" charset="0"/>
-                <a:cs typeface="Arial" panose="020B0604020202020204" pitchFamily="34" charset="0"/>
-              </a:rPr>
-              <a:t>Detectar valores atípicos con técnicas estadísticas (IQR).</a:t>
+              <a:rPr lang="es-ES" dirty="0"/>
+              <a:t>Diseñar un modelo predictivo basado en la información epidemiológica y ambiental.</a:t>
             </a:r>
           </a:p>
           <a:p>
@@ -4400,24 +4654,8 @@
               <a:buChar char="•"/>
             </a:pPr>
             <a:r>
-              <a:rPr lang="es-ES" dirty="0">
-                <a:latin typeface="Arial" panose="020B0604020202020204" pitchFamily="34" charset="0"/>
-                <a:cs typeface="Arial" panose="020B0604020202020204" pitchFamily="34" charset="0"/>
-              </a:rPr>
-              <a:t>Identificar correlaciones entre las variables.</a:t>
-            </a:r>
-          </a:p>
-          <a:p>
-            <a:pPr>
-              <a:buFont typeface="Arial" panose="020B0604020202020204" pitchFamily="34" charset="0"/>
-              <a:buChar char="•"/>
-            </a:pPr>
-            <a:r>
-              <a:rPr lang="es-ES" dirty="0">
-                <a:latin typeface="Arial" panose="020B0604020202020204" pitchFamily="34" charset="0"/>
-                <a:cs typeface="Arial" panose="020B0604020202020204" pitchFamily="34" charset="0"/>
-              </a:rPr>
-              <a:t>Proponer recomendaciones basadas en los hallazgos.</a:t>
+              <a:rPr lang="es-ES" dirty="0"/>
+              <a:t>Validar el modelo para estimar su utilidad en la prevención y control de brotes.</a:t>
             </a:r>
           </a:p>
         </p:txBody>
@@ -4437,14 +4675,14 @@
         <p:spPr>
           <a:xfrm>
             <a:off x="177800" y="1674674"/>
-            <a:ext cx="6096000" cy="1200329"/>
+            <a:ext cx="5179060" cy="1477328"/>
           </a:xfrm>
           <a:prstGeom prst="rect">
             <a:avLst/>
           </a:prstGeom>
         </p:spPr>
         <p:txBody>
-          <a:bodyPr>
+          <a:bodyPr wrap="square">
             <a:spAutoFit/>
           </a:bodyPr>
           <a:lstStyle/>
@@ -4463,12 +4701,107 @@
               </a:rPr>
             </a:br>
             <a:r>
-              <a:rPr lang="es-ES" dirty="0">
-                <a:latin typeface="Arial" panose="020B0604020202020204" pitchFamily="34" charset="0"/>
-                <a:cs typeface="Arial" panose="020B0604020202020204" pitchFamily="34" charset="0"/>
-              </a:rPr>
-              <a:t>Analizar los costos energéticos registrados en 2023 para detectar tendencias, valores atípicos y relaciones relevantes entre sus componentes.</a:t>
-            </a:r>
+              <a:rPr lang="es-ES" dirty="0"/>
+              <a:t>Desarrollar un modelo predictivo de casos de Dengue en el Caquetá a partir del análisis de datos históricos de contagio y variables meteorológicas, con el fin de apoyar la prevención y control de la enfermedad.</a:t>
+            </a:r>
+            <a:endParaRPr lang="es-ES" dirty="0">
+              <a:latin typeface="Arial" panose="020B0604020202020204" pitchFamily="34" charset="0"/>
+              <a:cs typeface="Arial" panose="020B0604020202020204" pitchFamily="34" charset="0"/>
+            </a:endParaRPr>
+          </a:p>
+        </p:txBody>
+      </p:sp>
+      <p:sp>
+        <p:nvSpPr>
+          <p:cNvPr id="2" name="Rectangle 1">
+            <a:extLst>
+              <a:ext uri="{FF2B5EF4-FFF2-40B4-BE49-F238E27FC236}">
+                <a16:creationId xmlns:a16="http://schemas.microsoft.com/office/drawing/2014/main" id="{4DE55C74-4783-EFEC-8A30-A00CD76E1C19}"/>
+              </a:ext>
+            </a:extLst>
+          </p:cNvPr>
+          <p:cNvSpPr>
+            <a:spLocks noChangeArrowheads="1"/>
+          </p:cNvSpPr>
+          <p:nvPr/>
+        </p:nvSpPr>
+        <p:spPr bwMode="auto">
+          <a:xfrm>
+            <a:off x="0" y="0"/>
+            <a:ext cx="12192000" cy="0"/>
+          </a:xfrm>
+          <a:prstGeom prst="rect">
+            <a:avLst/>
+          </a:prstGeom>
+          <a:noFill/>
+          <a:ln>
+            <a:noFill/>
+          </a:ln>
+          <a:effectLst/>
+          <a:extLst>
+            <a:ext uri="{909E8E84-426E-40DD-AFC4-6F175D3DCCD1}">
+              <a14:hiddenFill xmlns:a14="http://schemas.microsoft.com/office/drawing/2010/main">
+                <a:solidFill>
+                  <a:schemeClr val="accent1"/>
+                </a:solidFill>
+              </a14:hiddenFill>
+            </a:ext>
+            <a:ext uri="{91240B29-F687-4F45-9708-019B960494DF}">
+              <a14:hiddenLine xmlns:a14="http://schemas.microsoft.com/office/drawing/2010/main" w="9525">
+                <a:solidFill>
+                  <a:schemeClr val="tx1"/>
+                </a:solidFill>
+                <a:miter lim="800000"/>
+                <a:headEnd/>
+                <a:tailEnd/>
+              </a14:hiddenLine>
+            </a:ext>
+            <a:ext uri="{AF507438-7753-43E0-B8FC-AC1667EBCBE1}">
+              <a14:hiddenEffects xmlns:a14="http://schemas.microsoft.com/office/drawing/2010/main">
+                <a:effectLst>
+                  <a:outerShdw dist="35921" dir="2700000" algn="ctr" rotWithShape="0">
+                    <a:schemeClr val="bg2"/>
+                  </a:outerShdw>
+                </a:effectLst>
+              </a14:hiddenEffects>
+            </a:ext>
+          </a:extLst>
+        </p:spPr>
+        <p:txBody>
+          <a:bodyPr vert="horz" wrap="none" lIns="91440" tIns="45720" rIns="91440" bIns="45720" numCol="1" anchor="ctr" anchorCtr="0" compatLnSpc="1">
+            <a:prstTxWarp prst="textNoShape">
+              <a:avLst/>
+            </a:prstTxWarp>
+            <a:spAutoFit/>
+          </a:bodyPr>
+          <a:lstStyle/>
+          <a:p>
+            <a:pPr marL="0" marR="0" lvl="0" indent="0" algn="l" defTabSz="914400" rtl="0" eaLnBrk="0" fontAlgn="base" latinLnBrk="0" hangingPunct="0">
+              <a:lnSpc>
+                <a:spcPct val="100000"/>
+              </a:lnSpc>
+              <a:spcBef>
+                <a:spcPct val="0"/>
+              </a:spcBef>
+              <a:spcAft>
+                <a:spcPct val="0"/>
+              </a:spcAft>
+              <a:buClrTx/>
+              <a:buSzTx/>
+              <a:buFontTx/>
+              <a:buNone/>
+              <a:tabLst/>
+            </a:pPr>
+            <a:endParaRPr kumimoji="0" lang="es-CO" altLang="es-CO" sz="1800" b="0" i="0" u="none" strike="noStrike" cap="none" normalizeH="0" baseline="0">
+              <a:ln>
+                <a:noFill/>
+              </a:ln>
+              <a:solidFill>
+                <a:schemeClr val="tx1"/>
+              </a:solidFill>
+              <a:effectLst/>
+              <a:latin typeface="Arial" panose="020B0604020202020204" pitchFamily="34" charset="0"/>
+            </a:endParaRPr>
           </a:p>
         </p:txBody>
       </p:sp>
@@ -4561,7 +4894,7 @@
         </p:nvSpPr>
         <p:spPr>
           <a:xfrm>
-            <a:off x="1098778" y="982517"/>
+            <a:off x="675550" y="1171225"/>
             <a:ext cx="6094638" cy="369332"/>
           </a:xfrm>
           <a:prstGeom prst="rect">
@@ -4584,7 +4917,7 @@
                 <a:ea typeface="Roboto Black" panose="02000000000000000000" pitchFamily="2" charset="0"/>
                 <a:cs typeface="Arial" panose="020B0604020202020204" pitchFamily="34" charset="0"/>
               </a:rPr>
-              <a:t>justificación</a:t>
+              <a:t>Justifación</a:t>
             </a:r>
             <a:r>
               <a:rPr lang="en-US" sz="1800" b="1" dirty="0">
@@ -4619,25 +4952,34 @@
         </p:nvSpPr>
         <p:spPr>
           <a:xfrm>
-            <a:off x="548708" y="1351849"/>
-            <a:ext cx="6096000" cy="1477328"/>
+            <a:off x="533468" y="1732849"/>
+            <a:ext cx="4952932" cy="2585323"/>
           </a:xfrm>
           <a:prstGeom prst="rect">
             <a:avLst/>
           </a:prstGeom>
         </p:spPr>
         <p:txBody>
-          <a:bodyPr>
+          <a:bodyPr wrap="square">
             <a:spAutoFit/>
           </a:bodyPr>
           <a:lstStyle/>
           <a:p>
             <a:r>
-              <a:rPr lang="es-ES" dirty="0">
-                <a:latin typeface="Arial" panose="020B0604020202020204" pitchFamily="34" charset="0"/>
-                <a:cs typeface="Arial" panose="020B0604020202020204" pitchFamily="34" charset="0"/>
-              </a:rPr>
-              <a:t>Este tipo de análisis permite a las entidades reguladoras y empresas del sector energético comprender mejor la dinámica de costos y tomar decisiones informadas para mejorar la eficiencia en la prestación del servicio energético.</a:t>
+              <a:rPr lang="es-ES" dirty="0"/>
+              <a:t>La elaboración de un modelo predictivo de Dengue en el Caquetá se justifica en la necesidad de anticipar brotes en una región con condiciones climáticas favorables para la proliferación del mosquito </a:t>
+            </a:r>
+            <a:r>
+              <a:rPr lang="es-ES" i="1" dirty="0"/>
+              <a:t>Aedes </a:t>
+            </a:r>
+            <a:r>
+              <a:rPr lang="es-ES" i="1" dirty="0" err="1"/>
+              <a:t>aegypti</a:t>
+            </a:r>
+            <a:r>
+              <a:rPr lang="es-ES" dirty="0"/>
+              <a:t>. Contar con esta herramienta permitirá a las autoridades de salud implementar acciones preventivas y de control más oportunas, reduciendo el impacto de la enfermedad en la población.</a:t>
             </a:r>
             <a:endParaRPr lang="es-CO" dirty="0">
               <a:latin typeface="Arial" panose="020B0604020202020204" pitchFamily="34" charset="0"/>
@@ -4648,10 +4990,10 @@
       </p:sp>
       <p:pic>
         <p:nvPicPr>
-          <p:cNvPr id="5" name="Imagen 4">
-            <a:extLst>
-              <a:ext uri="{FF2B5EF4-FFF2-40B4-BE49-F238E27FC236}">
-                <a16:creationId xmlns:a16="http://schemas.microsoft.com/office/drawing/2014/main" id="{049B8E8D-ECB1-44B8-89BE-F4ABB8A98EBA}"/>
+          <p:cNvPr id="7" name="Imagen 6" descr="Gráfico, Gráfico de dispersión&#10;&#10;El contenido generado por IA puede ser incorrecto.">
+            <a:extLst>
+              <a:ext uri="{FF2B5EF4-FFF2-40B4-BE49-F238E27FC236}">
+                <a16:creationId xmlns:a16="http://schemas.microsoft.com/office/drawing/2014/main" id="{5CCDFDC0-51C3-F6EA-7E74-6099AD156B75}"/>
               </a:ext>
             </a:extLst>
           </p:cNvPr>
@@ -4668,14 +5010,52 @@
               </a:ext>
             </a:extLst>
           </a:blip>
+          <a:srcRect l="23564" r="24299"/>
           <a:stretch>
             <a:fillRect/>
           </a:stretch>
         </p:blipFill>
         <p:spPr>
           <a:xfrm>
-            <a:off x="4692487" y="2500331"/>
-            <a:ext cx="6950805" cy="3572082"/>
+            <a:off x="5409076" y="1171225"/>
+            <a:ext cx="3315824" cy="3709967"/>
+          </a:xfrm>
+          <a:prstGeom prst="rect">
+            <a:avLst/>
+          </a:prstGeom>
+        </p:spPr>
+      </p:pic>
+      <p:pic>
+        <p:nvPicPr>
+          <p:cNvPr id="9" name="Imagen 8" descr="Gráfico, Gráfico circular&#10;&#10;El contenido generado por IA puede ser incorrecto.">
+            <a:extLst>
+              <a:ext uri="{FF2B5EF4-FFF2-40B4-BE49-F238E27FC236}">
+                <a16:creationId xmlns:a16="http://schemas.microsoft.com/office/drawing/2014/main" id="{03CEAFBC-5F72-1609-EA97-EDCBB8775927}"/>
+              </a:ext>
+            </a:extLst>
+          </p:cNvPr>
+          <p:cNvPicPr>
+            <a:picLocks noChangeAspect="1"/>
+          </p:cNvPicPr>
+          <p:nvPr/>
+        </p:nvPicPr>
+        <p:blipFill>
+          <a:blip r:embed="rId5">
+            <a:extLst>
+              <a:ext uri="{28A0092B-C50C-407E-A947-70E740481C1C}">
+                <a14:useLocalDpi xmlns:a14="http://schemas.microsoft.com/office/drawing/2010/main" val="0"/>
+              </a:ext>
+            </a:extLst>
+          </a:blip>
+          <a:srcRect l="32605" t="6959" r="28241" b="8787"/>
+          <a:stretch>
+            <a:fillRect/>
+          </a:stretch>
+        </p:blipFill>
+        <p:spPr>
+          <a:xfrm>
+            <a:off x="8522922" y="1082040"/>
+            <a:ext cx="3425238" cy="3656627"/>
           </a:xfrm>
           <a:prstGeom prst="rect">
             <a:avLst/>
@@ -4771,7 +5151,7 @@
         </p:nvSpPr>
         <p:spPr>
           <a:xfrm>
-            <a:off x="1025667" y="877675"/>
+            <a:off x="623221" y="877675"/>
             <a:ext cx="6094638" cy="369332"/>
           </a:xfrm>
           <a:prstGeom prst="rect">
@@ -4817,10 +5197,10 @@
       </p:sp>
       <p:pic>
         <p:nvPicPr>
-          <p:cNvPr id="5" name="Imagen 4">
-            <a:extLst>
-              <a:ext uri="{FF2B5EF4-FFF2-40B4-BE49-F238E27FC236}">
-                <a16:creationId xmlns:a16="http://schemas.microsoft.com/office/drawing/2014/main" id="{538C31EF-13A1-4603-BEE5-51DEB4801ADB}"/>
+          <p:cNvPr id="4" name="Imagen 3" descr="Gráfico, Histograma&#10;&#10;El contenido generado por IA puede ser incorrecto.">
+            <a:extLst>
+              <a:ext uri="{FF2B5EF4-FFF2-40B4-BE49-F238E27FC236}">
+                <a16:creationId xmlns:a16="http://schemas.microsoft.com/office/drawing/2014/main" id="{4B33209D-2C07-3168-E032-EDE0F7105E7E}"/>
               </a:ext>
             </a:extLst>
           </p:cNvPr>
@@ -4843,8 +5223,78 @@
         </p:blipFill>
         <p:spPr>
           <a:xfrm>
-            <a:off x="1952367" y="1456773"/>
-            <a:ext cx="8287265" cy="4277102"/>
+            <a:off x="5013960" y="252701"/>
+            <a:ext cx="5760073" cy="2799815"/>
+          </a:xfrm>
+          <a:prstGeom prst="rect">
+            <a:avLst/>
+          </a:prstGeom>
+        </p:spPr>
+      </p:pic>
+      <p:sp>
+        <p:nvSpPr>
+          <p:cNvPr id="7" name="Rectángulo 6">
+            <a:extLst>
+              <a:ext uri="{FF2B5EF4-FFF2-40B4-BE49-F238E27FC236}">
+                <a16:creationId xmlns:a16="http://schemas.microsoft.com/office/drawing/2014/main" id="{FC98E976-0144-F971-C753-6B06D683176F}"/>
+              </a:ext>
+            </a:extLst>
+          </p:cNvPr>
+          <p:cNvSpPr/>
+          <p:nvPr/>
+        </p:nvSpPr>
+        <p:spPr>
+          <a:xfrm>
+            <a:off x="623220" y="1247006"/>
+            <a:ext cx="3971640" cy="2585323"/>
+          </a:xfrm>
+          <a:prstGeom prst="rect">
+            <a:avLst/>
+          </a:prstGeom>
+        </p:spPr>
+        <p:txBody>
+          <a:bodyPr wrap="square">
+            <a:spAutoFit/>
+          </a:bodyPr>
+          <a:lstStyle/>
+          <a:p>
+            <a:r>
+              <a:rPr lang="es-ES" dirty="0"/>
+              <a:t>El proyecto se centra en el análisis de datos históricos de Dengue y variables meteorológicas en el Caquetá, para desarrollar y validar un modelo predictivo capaz de anticipar brotes. Su aplicación está dirigida a apoyar la gestión en salud pública regional, sin extenderse a la implementación directa de políticas ni a otros departamentos.</a:t>
+            </a:r>
+          </a:p>
+        </p:txBody>
+      </p:sp>
+      <p:pic>
+        <p:nvPicPr>
+          <p:cNvPr id="9" name="Imagen 8" descr="Gráfico, Gráfico de barras&#10;&#10;El contenido generado por IA puede ser incorrecto.">
+            <a:extLst>
+              <a:ext uri="{FF2B5EF4-FFF2-40B4-BE49-F238E27FC236}">
+                <a16:creationId xmlns:a16="http://schemas.microsoft.com/office/drawing/2014/main" id="{A5494E84-2AB0-D554-E8B2-1E06EAFB6725}"/>
+              </a:ext>
+            </a:extLst>
+          </p:cNvPr>
+          <p:cNvPicPr>
+            <a:picLocks noChangeAspect="1"/>
+          </p:cNvPicPr>
+          <p:nvPr/>
+        </p:nvPicPr>
+        <p:blipFill>
+          <a:blip r:embed="rId5">
+            <a:extLst>
+              <a:ext uri="{28A0092B-C50C-407E-A947-70E740481C1C}">
+                <a14:useLocalDpi xmlns:a14="http://schemas.microsoft.com/office/drawing/2010/main" val="0"/>
+              </a:ext>
+            </a:extLst>
+          </a:blip>
+          <a:stretch>
+            <a:fillRect/>
+          </a:stretch>
+        </p:blipFill>
+        <p:spPr>
+          <a:xfrm>
+            <a:off x="5097970" y="2877256"/>
+            <a:ext cx="5592052" cy="2774182"/>
           </a:xfrm>
           <a:prstGeom prst="rect">
             <a:avLst/>
@@ -4971,178 +5421,325 @@
       </p:sp>
       <p:sp>
         <p:nvSpPr>
-          <p:cNvPr id="7" name="CuadroTexto 6">
-            <a:extLst>
-              <a:ext uri="{FF2B5EF4-FFF2-40B4-BE49-F238E27FC236}">
-                <a16:creationId xmlns:a16="http://schemas.microsoft.com/office/drawing/2014/main" id="{4A852FA3-26BF-46A1-87BE-79B519717623}"/>
-              </a:ext>
-            </a:extLst>
-          </p:cNvPr>
-          <p:cNvSpPr txBox="1"/>
+          <p:cNvPr id="8" name="Rectangle 4">
+            <a:extLst>
+              <a:ext uri="{FF2B5EF4-FFF2-40B4-BE49-F238E27FC236}">
+                <a16:creationId xmlns:a16="http://schemas.microsoft.com/office/drawing/2014/main" id="{ADBD0092-1D0A-0082-4496-E3A80D534317}"/>
+              </a:ext>
+            </a:extLst>
+          </p:cNvPr>
+          <p:cNvSpPr>
+            <a:spLocks noChangeArrowheads="1"/>
+          </p:cNvSpPr>
           <p:nvPr/>
         </p:nvSpPr>
-        <p:spPr>
-          <a:xfrm>
-            <a:off x="827902" y="744137"/>
-            <a:ext cx="9428206" cy="5078313"/>
+        <p:spPr bwMode="auto">
+          <a:xfrm>
+            <a:off x="660400" y="1118548"/>
+            <a:ext cx="9504680" cy="4031873"/>
           </a:xfrm>
           <a:prstGeom prst="rect">
             <a:avLst/>
           </a:prstGeom>
           <a:noFill/>
-        </p:spPr>
-        <p:txBody>
-          <a:bodyPr wrap="square" rtlCol="0">
+          <a:ln>
+            <a:noFill/>
+          </a:ln>
+          <a:effectLst/>
+          <a:extLst>
+            <a:ext uri="{909E8E84-426E-40DD-AFC4-6F175D3DCCD1}">
+              <a14:hiddenFill xmlns:a14="http://schemas.microsoft.com/office/drawing/2010/main">
+                <a:solidFill>
+                  <a:schemeClr val="accent1"/>
+                </a:solidFill>
+              </a14:hiddenFill>
+            </a:ext>
+            <a:ext uri="{91240B29-F687-4F45-9708-019B960494DF}">
+              <a14:hiddenLine xmlns:a14="http://schemas.microsoft.com/office/drawing/2010/main" w="9525">
+                <a:solidFill>
+                  <a:schemeClr val="tx1"/>
+                </a:solidFill>
+                <a:miter lim="800000"/>
+                <a:headEnd/>
+                <a:tailEnd/>
+              </a14:hiddenLine>
+            </a:ext>
+            <a:ext uri="{AF507438-7753-43E0-B8FC-AC1667EBCBE1}">
+              <a14:hiddenEffects xmlns:a14="http://schemas.microsoft.com/office/drawing/2010/main">
+                <a:effectLst>
+                  <a:outerShdw dist="35921" dir="2700000" algn="ctr" rotWithShape="0">
+                    <a:schemeClr val="bg2"/>
+                  </a:outerShdw>
+                </a:effectLst>
+              </a14:hiddenEffects>
+            </a:ext>
+          </a:extLst>
+        </p:spPr>
+        <p:txBody>
+          <a:bodyPr vert="horz" wrap="square" lIns="91440" tIns="45720" rIns="91440" bIns="45720" numCol="1" anchor="ctr" anchorCtr="0" compatLnSpc="1">
+            <a:prstTxWarp prst="textNoShape">
+              <a:avLst/>
+            </a:prstTxWarp>
             <a:spAutoFit/>
           </a:bodyPr>
           <a:lstStyle/>
           <a:p>
-            <a:pPr marL="342900" indent="-342900">
-              <a:buFont typeface="+mj-lt"/>
-              <a:buAutoNum type="arabicPeriod"/>
+            <a:pPr marL="0" marR="0" lvl="0" indent="0" algn="l" defTabSz="914400" rtl="0" eaLnBrk="0" fontAlgn="base" latinLnBrk="0" hangingPunct="0">
+              <a:lnSpc>
+                <a:spcPct val="100000"/>
+              </a:lnSpc>
+              <a:spcBef>
+                <a:spcPct val="0"/>
+              </a:spcBef>
+              <a:spcAft>
+                <a:spcPct val="0"/>
+              </a:spcAft>
+              <a:buClrTx/>
+              <a:buSzTx/>
+              <a:buFontTx/>
+              <a:buChar char="•"/>
+              <a:tabLst/>
             </a:pPr>
             <a:r>
-              <a:rPr lang="es-ES" dirty="0"/>
-              <a:t>Flujograma:</a:t>
-            </a:r>
-          </a:p>
-          <a:p>
-            <a:pPr marL="285750" indent="-285750">
-              <a:buFont typeface="Arial" panose="020B0604020202020204" pitchFamily="34" charset="0"/>
+              <a:rPr kumimoji="0" lang="es-CO" altLang="es-CO" sz="1600" b="1" i="0" u="none" strike="noStrike" cap="none" normalizeH="0" baseline="0" dirty="0">
+                <a:ln>
+                  <a:noFill/>
+                </a:ln>
+                <a:solidFill>
+                  <a:schemeClr val="tx1"/>
+                </a:solidFill>
+                <a:effectLst/>
+                <a:latin typeface="Arial" panose="020B0604020202020204" pitchFamily="34" charset="0"/>
+              </a:rPr>
+              <a:t>Recolección de datos:</a:t>
+            </a:r>
+            <a:r>
+              <a:rPr kumimoji="0" lang="es-CO" altLang="es-CO" sz="1600" b="0" i="0" u="none" strike="noStrike" cap="none" normalizeH="0" baseline="0" dirty="0">
+                <a:ln>
+                  <a:noFill/>
+                </a:ln>
+                <a:solidFill>
+                  <a:schemeClr val="tx1"/>
+                </a:solidFill>
+                <a:effectLst/>
+                <a:latin typeface="Arial" panose="020B0604020202020204" pitchFamily="34" charset="0"/>
+              </a:rPr>
+              <a:t> Se recopilaron registros históricos de casos de Dengue en el departamento del Caquetá, junto con información meteorológica (precipitación, temperatura y humedad), variables relevantes por su incidencia en la reproducción y supervivencia del mosquito </a:t>
+            </a:r>
+            <a:r>
+              <a:rPr kumimoji="0" lang="es-CO" altLang="es-CO" sz="1600" b="0" i="1" u="none" strike="noStrike" cap="none" normalizeH="0" baseline="0" dirty="0">
+                <a:ln>
+                  <a:noFill/>
+                </a:ln>
+                <a:solidFill>
+                  <a:schemeClr val="tx1"/>
+                </a:solidFill>
+                <a:effectLst/>
+                <a:latin typeface="Arial" panose="020B0604020202020204" pitchFamily="34" charset="0"/>
+              </a:rPr>
+              <a:t>Aedes </a:t>
+            </a:r>
+            <a:r>
+              <a:rPr kumimoji="0" lang="es-CO" altLang="es-CO" sz="1600" b="0" i="1" u="none" strike="noStrike" cap="none" normalizeH="0" baseline="0" dirty="0" err="1">
+                <a:ln>
+                  <a:noFill/>
+                </a:ln>
+                <a:solidFill>
+                  <a:schemeClr val="tx1"/>
+                </a:solidFill>
+                <a:effectLst/>
+                <a:latin typeface="Arial" panose="020B0604020202020204" pitchFamily="34" charset="0"/>
+              </a:rPr>
+              <a:t>aegypti</a:t>
+            </a:r>
+            <a:r>
+              <a:rPr kumimoji="0" lang="es-CO" altLang="es-CO" sz="1600" b="0" i="0" u="none" strike="noStrike" cap="none" normalizeH="0" baseline="0" dirty="0">
+                <a:ln>
+                  <a:noFill/>
+                </a:ln>
+                <a:solidFill>
+                  <a:schemeClr val="tx1"/>
+                </a:solidFill>
+                <a:effectLst/>
+                <a:latin typeface="Arial" panose="020B0604020202020204" pitchFamily="34" charset="0"/>
+              </a:rPr>
+              <a:t>.</a:t>
+            </a:r>
+          </a:p>
+          <a:p>
+            <a:pPr marL="0" marR="0" lvl="0" indent="0" algn="l" defTabSz="914400" rtl="0" eaLnBrk="0" fontAlgn="base" latinLnBrk="0" hangingPunct="0">
+              <a:lnSpc>
+                <a:spcPct val="100000"/>
+              </a:lnSpc>
+              <a:spcBef>
+                <a:spcPct val="0"/>
+              </a:spcBef>
+              <a:spcAft>
+                <a:spcPct val="0"/>
+              </a:spcAft>
+              <a:buClrTx/>
+              <a:buSzTx/>
+              <a:buFontTx/>
               <a:buChar char="•"/>
+              <a:tabLst/>
             </a:pPr>
             <a:r>
-              <a:rPr lang="es-ES" dirty="0"/>
-              <a:t>Importación de datos</a:t>
-            </a:r>
-          </a:p>
-          <a:p>
-            <a:pPr marL="285750" indent="-285750">
-              <a:buFont typeface="Arial" panose="020B0604020202020204" pitchFamily="34" charset="0"/>
+              <a:rPr kumimoji="0" lang="es-CO" altLang="es-CO" sz="1600" b="1" i="0" u="none" strike="noStrike" cap="none" normalizeH="0" baseline="0" dirty="0">
+                <a:ln>
+                  <a:noFill/>
+                </a:ln>
+                <a:solidFill>
+                  <a:schemeClr val="tx1"/>
+                </a:solidFill>
+                <a:effectLst/>
+                <a:latin typeface="Arial" panose="020B0604020202020204" pitchFamily="34" charset="0"/>
+              </a:rPr>
+              <a:t>Organización y limpieza:</a:t>
+            </a:r>
+            <a:r>
+              <a:rPr kumimoji="0" lang="es-CO" altLang="es-CO" sz="1600" b="0" i="0" u="none" strike="noStrike" cap="none" normalizeH="0" baseline="0" dirty="0">
+                <a:ln>
+                  <a:noFill/>
+                </a:ln>
+                <a:solidFill>
+                  <a:schemeClr val="tx1"/>
+                </a:solidFill>
+                <a:effectLst/>
+                <a:latin typeface="Arial" panose="020B0604020202020204" pitchFamily="34" charset="0"/>
+              </a:rPr>
+              <a:t> Los datos fueron unificados en una misma base, garantizando coherencia temporal y geográfica. Se depuraron inconsistencias, valores faltantes y atípicos, con el fin de asegurar la calidad de la información.</a:t>
+            </a:r>
+          </a:p>
+          <a:p>
+            <a:pPr marL="0" marR="0" lvl="0" indent="0" algn="l" defTabSz="914400" rtl="0" eaLnBrk="0" fontAlgn="base" latinLnBrk="0" hangingPunct="0">
+              <a:lnSpc>
+                <a:spcPct val="100000"/>
+              </a:lnSpc>
+              <a:spcBef>
+                <a:spcPct val="0"/>
+              </a:spcBef>
+              <a:spcAft>
+                <a:spcPct val="0"/>
+              </a:spcAft>
+              <a:buClrTx/>
+              <a:buSzTx/>
+              <a:buFontTx/>
               <a:buChar char="•"/>
+              <a:tabLst/>
             </a:pPr>
             <a:r>
-              <a:rPr lang="es-ES" dirty="0"/>
-              <a:t>Limpieza</a:t>
-            </a:r>
-          </a:p>
-          <a:p>
-            <a:pPr marL="285750" indent="-285750">
-              <a:buFont typeface="Arial" panose="020B0604020202020204" pitchFamily="34" charset="0"/>
+              <a:rPr kumimoji="0" lang="es-CO" altLang="es-CO" sz="1600" b="1" i="0" u="none" strike="noStrike" cap="none" normalizeH="0" baseline="0" dirty="0">
+                <a:ln>
+                  <a:noFill/>
+                </a:ln>
+                <a:solidFill>
+                  <a:schemeClr val="tx1"/>
+                </a:solidFill>
+                <a:effectLst/>
+                <a:latin typeface="Arial" panose="020B0604020202020204" pitchFamily="34" charset="0"/>
+              </a:rPr>
+              <a:t>Análisis exploratorio:</a:t>
+            </a:r>
+            <a:r>
+              <a:rPr kumimoji="0" lang="es-CO" altLang="es-CO" sz="1600" b="0" i="0" u="none" strike="noStrike" cap="none" normalizeH="0" baseline="0" dirty="0">
+                <a:ln>
+                  <a:noFill/>
+                </a:ln>
+                <a:solidFill>
+                  <a:schemeClr val="tx1"/>
+                </a:solidFill>
+                <a:effectLst/>
+                <a:latin typeface="Arial" panose="020B0604020202020204" pitchFamily="34" charset="0"/>
+              </a:rPr>
+              <a:t> Se realizaron representaciones gráficas y análisis estadísticos para identificar tendencias, patrones estacionales y correlaciones entre las variables epidemiológicas y ambientales, lo que permitió establecer posibles relaciones causa-efecto.</a:t>
+            </a:r>
+          </a:p>
+          <a:p>
+            <a:pPr marL="0" marR="0" lvl="0" indent="0" algn="l" defTabSz="914400" rtl="0" eaLnBrk="0" fontAlgn="base" latinLnBrk="0" hangingPunct="0">
+              <a:lnSpc>
+                <a:spcPct val="100000"/>
+              </a:lnSpc>
+              <a:spcBef>
+                <a:spcPct val="0"/>
+              </a:spcBef>
+              <a:spcAft>
+                <a:spcPct val="0"/>
+              </a:spcAft>
+              <a:buClrTx/>
+              <a:buSzTx/>
+              <a:buFontTx/>
               <a:buChar char="•"/>
+              <a:tabLst/>
             </a:pPr>
             <a:r>
-              <a:rPr lang="es-ES" dirty="0"/>
-              <a:t>Exploración</a:t>
-            </a:r>
-          </a:p>
-          <a:p>
-            <a:pPr marL="285750" indent="-285750">
-              <a:buFont typeface="Arial" panose="020B0604020202020204" pitchFamily="34" charset="0"/>
+              <a:rPr kumimoji="0" lang="es-CO" altLang="es-CO" sz="1600" b="1" i="0" u="none" strike="noStrike" cap="none" normalizeH="0" baseline="0" dirty="0">
+                <a:ln>
+                  <a:noFill/>
+                </a:ln>
+                <a:solidFill>
+                  <a:schemeClr val="tx1"/>
+                </a:solidFill>
+                <a:effectLst/>
+                <a:latin typeface="Arial" panose="020B0604020202020204" pitchFamily="34" charset="0"/>
+              </a:rPr>
+              <a:t>Construcción del modelo predictivo:</a:t>
+            </a:r>
+            <a:r>
+              <a:rPr kumimoji="0" lang="es-CO" altLang="es-CO" sz="1600" b="0" i="0" u="none" strike="noStrike" cap="none" normalizeH="0" baseline="0" dirty="0">
+                <a:ln>
+                  <a:noFill/>
+                </a:ln>
+                <a:solidFill>
+                  <a:schemeClr val="tx1"/>
+                </a:solidFill>
+                <a:effectLst/>
+                <a:latin typeface="Arial" panose="020B0604020202020204" pitchFamily="34" charset="0"/>
+              </a:rPr>
+              <a:t> Con la información procesada, se implementaron técnicas estadísticas y de aprendizaje automático para predecir la incidencia de casos de Dengue. Se consideraron rezagos temporales en las variables climáticas, debido a que sus efectos sobre la dinámica del vector no son inmediatos.</a:t>
+            </a:r>
+          </a:p>
+          <a:p>
+            <a:pPr marL="0" marR="0" lvl="0" indent="0" algn="l" defTabSz="914400" rtl="0" eaLnBrk="0" fontAlgn="base" latinLnBrk="0" hangingPunct="0">
+              <a:lnSpc>
+                <a:spcPct val="100000"/>
+              </a:lnSpc>
+              <a:spcBef>
+                <a:spcPct val="0"/>
+              </a:spcBef>
+              <a:spcAft>
+                <a:spcPct val="0"/>
+              </a:spcAft>
+              <a:buClrTx/>
+              <a:buSzTx/>
+              <a:buFontTx/>
               <a:buChar char="•"/>
+              <a:tabLst/>
             </a:pPr>
             <a:r>
-              <a:rPr lang="es-ES" dirty="0"/>
-              <a:t>Visualización</a:t>
-            </a:r>
-          </a:p>
-          <a:p>
-            <a:pPr marL="285750" indent="-285750">
-              <a:buFont typeface="Arial" panose="020B0604020202020204" pitchFamily="34" charset="0"/>
-              <a:buChar char="•"/>
-            </a:pPr>
-            <a:r>
-              <a:rPr lang="es-ES" dirty="0"/>
-              <a:t>Análisis y Conclusión</a:t>
-            </a:r>
-          </a:p>
-          <a:p>
-            <a:endParaRPr lang="es-ES" dirty="0"/>
-          </a:p>
-          <a:p>
-            <a:r>
-              <a:rPr lang="es-ES" dirty="0"/>
-              <a:t>2.   Variables cuantitativas: </a:t>
-            </a:r>
-          </a:p>
-          <a:p>
-            <a:r>
-              <a:rPr lang="es-ES" dirty="0"/>
-              <a:t>Costo Generación, Costo Distribución, Costo Comercialización, Costo Unitario.</a:t>
-            </a:r>
-          </a:p>
-          <a:p>
-            <a:endParaRPr lang="es-ES" dirty="0"/>
-          </a:p>
-          <a:p>
-            <a:r>
-              <a:rPr lang="es-ES" dirty="0"/>
-              <a:t>3.   Análisis exploratorio (EDA):Cálculo de estadísticas descriptivas, visualización con histogramas y </a:t>
-            </a:r>
-            <a:r>
-              <a:rPr lang="es-ES" dirty="0" err="1"/>
-              <a:t>boxplots</a:t>
-            </a:r>
-            <a:r>
-              <a:rPr lang="es-ES" dirty="0"/>
-              <a:t>, análisis de correlaciones.</a:t>
-            </a:r>
-          </a:p>
-          <a:p>
-            <a:endParaRPr lang="es-ES" dirty="0"/>
-          </a:p>
-          <a:p>
-            <a:r>
-              <a:rPr lang="es-ES" dirty="0"/>
-              <a:t>4.   Limpieza de datos:</a:t>
-            </a:r>
-          </a:p>
-          <a:p>
-            <a:pPr marL="285750" indent="-285750">
-              <a:buFont typeface="Arial" panose="020B0604020202020204" pitchFamily="34" charset="0"/>
-              <a:buChar char="•"/>
-            </a:pPr>
-            <a:r>
-              <a:rPr lang="es-ES" dirty="0"/>
-              <a:t>Eliminación de duplicados</a:t>
-            </a:r>
-          </a:p>
-          <a:p>
-            <a:pPr marL="285750" indent="-285750">
-              <a:buFont typeface="Arial" panose="020B0604020202020204" pitchFamily="34" charset="0"/>
-              <a:buChar char="•"/>
-            </a:pPr>
-            <a:r>
-              <a:rPr lang="es-ES" dirty="0"/>
-              <a:t>Imputación de nulos con la media</a:t>
-            </a:r>
-          </a:p>
-          <a:p>
-            <a:pPr marL="285750" indent="-285750">
-              <a:buFont typeface="Arial" panose="020B0604020202020204" pitchFamily="34" charset="0"/>
-              <a:buChar char="•"/>
-            </a:pPr>
-            <a:r>
-              <a:rPr lang="es-ES" dirty="0"/>
-              <a:t>Normalización de nombres</a:t>
-            </a:r>
-          </a:p>
-          <a:p>
-            <a:pPr marL="285750" indent="-285750">
-              <a:buFont typeface="Arial" panose="020B0604020202020204" pitchFamily="34" charset="0"/>
-              <a:buChar char="•"/>
-            </a:pPr>
-            <a:r>
-              <a:rPr lang="es-ES" dirty="0"/>
-              <a:t>Detección de </a:t>
-            </a:r>
-            <a:r>
-              <a:rPr lang="es-ES" dirty="0" err="1"/>
-              <a:t>outliers</a:t>
-            </a:r>
-            <a:r>
-              <a:rPr lang="es-ES" dirty="0"/>
-              <a:t> con IQR</a:t>
+              <a:rPr kumimoji="0" lang="es-CO" altLang="es-CO" sz="1600" b="1" i="0" u="none" strike="noStrike" cap="none" normalizeH="0" baseline="0" dirty="0">
+                <a:ln>
+                  <a:noFill/>
+                </a:ln>
+                <a:solidFill>
+                  <a:schemeClr val="tx1"/>
+                </a:solidFill>
+                <a:effectLst/>
+                <a:latin typeface="Arial" panose="020B0604020202020204" pitchFamily="34" charset="0"/>
+              </a:rPr>
+              <a:t>Validación del modelo:</a:t>
+            </a:r>
+            <a:r>
+              <a:rPr kumimoji="0" lang="es-CO" altLang="es-CO" sz="1600" b="0" i="0" u="none" strike="noStrike" cap="none" normalizeH="0" baseline="0" dirty="0">
+                <a:ln>
+                  <a:noFill/>
+                </a:ln>
+                <a:solidFill>
+                  <a:schemeClr val="tx1"/>
+                </a:solidFill>
+                <a:effectLst/>
+                <a:latin typeface="Arial" panose="020B0604020202020204" pitchFamily="34" charset="0"/>
+              </a:rPr>
+              <a:t> Finalmente, las predicciones se contrastaron con datos reales no usados en la fase de entrenamiento, evaluando métricas de precisión y confiabilidad, con el objetivo de verificar la utilidad del modelo en la anticipación de brotes.</a:t>
             </a:r>
           </a:p>
         </p:txBody>
@@ -5252,7 +5849,7 @@
           <a:p>
             <a:pPr algn="ctr"/>
             <a:r>
-              <a:rPr lang="es-ES" sz="1800" b="1" dirty="0">
+              <a:rPr lang="es-ES" sz="1800" b="1">
                 <a:solidFill>
                   <a:srgbClr val="A08EF1"/>
                 </a:solidFill>
@@ -5275,10 +5872,10 @@
       </p:sp>
       <p:pic>
         <p:nvPicPr>
-          <p:cNvPr id="2" name="Imagen 1">
-            <a:extLst>
-              <a:ext uri="{FF2B5EF4-FFF2-40B4-BE49-F238E27FC236}">
-                <a16:creationId xmlns:a16="http://schemas.microsoft.com/office/drawing/2014/main" id="{7683521E-40BE-4FFB-80CE-011B6E2C4747}"/>
+          <p:cNvPr id="7" name="Imagen 6">
+            <a:extLst>
+              <a:ext uri="{FF2B5EF4-FFF2-40B4-BE49-F238E27FC236}">
+                <a16:creationId xmlns:a16="http://schemas.microsoft.com/office/drawing/2014/main" id="{31F61AFA-7C83-5CAB-50D9-4318CA32714E}"/>
               </a:ext>
             </a:extLst>
           </p:cNvPr>
@@ -5295,8 +5892,158 @@
         </p:blipFill>
         <p:spPr>
           <a:xfrm>
-            <a:off x="1704362" y="1128391"/>
-            <a:ext cx="8783276" cy="4601217"/>
+            <a:off x="912930" y="825129"/>
+            <a:ext cx="2754489" cy="2246949"/>
+          </a:xfrm>
+          <a:prstGeom prst="rect">
+            <a:avLst/>
+          </a:prstGeom>
+        </p:spPr>
+      </p:pic>
+      <p:pic>
+        <p:nvPicPr>
+          <p:cNvPr id="9" name="Imagen 8">
+            <a:extLst>
+              <a:ext uri="{FF2B5EF4-FFF2-40B4-BE49-F238E27FC236}">
+                <a16:creationId xmlns:a16="http://schemas.microsoft.com/office/drawing/2014/main" id="{7AD72972-4A03-6420-03DF-5A8A1E46B344}"/>
+              </a:ext>
+            </a:extLst>
+          </p:cNvPr>
+          <p:cNvPicPr>
+            <a:picLocks noChangeAspect="1"/>
+          </p:cNvPicPr>
+          <p:nvPr/>
+        </p:nvPicPr>
+        <p:blipFill>
+          <a:blip r:embed="rId5"/>
+          <a:stretch>
+            <a:fillRect/>
+          </a:stretch>
+        </p:blipFill>
+        <p:spPr>
+          <a:xfrm>
+            <a:off x="3803109" y="825129"/>
+            <a:ext cx="3082438" cy="2246949"/>
+          </a:xfrm>
+          <a:prstGeom prst="rect">
+            <a:avLst/>
+          </a:prstGeom>
+        </p:spPr>
+      </p:pic>
+      <p:pic>
+        <p:nvPicPr>
+          <p:cNvPr id="11" name="Imagen 10">
+            <a:extLst>
+              <a:ext uri="{FF2B5EF4-FFF2-40B4-BE49-F238E27FC236}">
+                <a16:creationId xmlns:a16="http://schemas.microsoft.com/office/drawing/2014/main" id="{75910328-7157-3E74-DAC0-7ACF23C3E838}"/>
+              </a:ext>
+            </a:extLst>
+          </p:cNvPr>
+          <p:cNvPicPr>
+            <a:picLocks noChangeAspect="1"/>
+          </p:cNvPicPr>
+          <p:nvPr/>
+        </p:nvPicPr>
+        <p:blipFill>
+          <a:blip r:embed="rId6"/>
+          <a:stretch>
+            <a:fillRect/>
+          </a:stretch>
+        </p:blipFill>
+        <p:spPr>
+          <a:xfrm>
+            <a:off x="7115435" y="758030"/>
+            <a:ext cx="3025870" cy="2381146"/>
+          </a:xfrm>
+          <a:prstGeom prst="rect">
+            <a:avLst/>
+          </a:prstGeom>
+        </p:spPr>
+      </p:pic>
+      <p:pic>
+        <p:nvPicPr>
+          <p:cNvPr id="13" name="Imagen 12">
+            <a:extLst>
+              <a:ext uri="{FF2B5EF4-FFF2-40B4-BE49-F238E27FC236}">
+                <a16:creationId xmlns:a16="http://schemas.microsoft.com/office/drawing/2014/main" id="{F0316A54-C486-C364-A9B8-D3D79F2EC656}"/>
+              </a:ext>
+            </a:extLst>
+          </p:cNvPr>
+          <p:cNvPicPr>
+            <a:picLocks noChangeAspect="1"/>
+          </p:cNvPicPr>
+          <p:nvPr/>
+        </p:nvPicPr>
+        <p:blipFill>
+          <a:blip r:embed="rId7"/>
+          <a:stretch>
+            <a:fillRect/>
+          </a:stretch>
+        </p:blipFill>
+        <p:spPr>
+          <a:xfrm>
+            <a:off x="912930" y="3251428"/>
+            <a:ext cx="3057991" cy="2187542"/>
+          </a:xfrm>
+          <a:prstGeom prst="rect">
+            <a:avLst/>
+          </a:prstGeom>
+        </p:spPr>
+      </p:pic>
+      <p:pic>
+        <p:nvPicPr>
+          <p:cNvPr id="15" name="Imagen 14">
+            <a:extLst>
+              <a:ext uri="{FF2B5EF4-FFF2-40B4-BE49-F238E27FC236}">
+                <a16:creationId xmlns:a16="http://schemas.microsoft.com/office/drawing/2014/main" id="{B1CAA13D-6CE4-D947-942D-154726D606EC}"/>
+              </a:ext>
+            </a:extLst>
+          </p:cNvPr>
+          <p:cNvPicPr>
+            <a:picLocks noChangeAspect="1"/>
+          </p:cNvPicPr>
+          <p:nvPr/>
+        </p:nvPicPr>
+        <p:blipFill>
+          <a:blip r:embed="rId8"/>
+          <a:stretch>
+            <a:fillRect/>
+          </a:stretch>
+        </p:blipFill>
+        <p:spPr>
+          <a:xfrm>
+            <a:off x="4080459" y="3139176"/>
+            <a:ext cx="2805088" cy="2665441"/>
+          </a:xfrm>
+          <a:prstGeom prst="rect">
+            <a:avLst/>
+          </a:prstGeom>
+        </p:spPr>
+      </p:pic>
+      <p:pic>
+        <p:nvPicPr>
+          <p:cNvPr id="17" name="Imagen 16">
+            <a:extLst>
+              <a:ext uri="{FF2B5EF4-FFF2-40B4-BE49-F238E27FC236}">
+                <a16:creationId xmlns:a16="http://schemas.microsoft.com/office/drawing/2014/main" id="{E4FDB863-F042-EF6C-8663-ADA817AA1C67}"/>
+              </a:ext>
+            </a:extLst>
+          </p:cNvPr>
+          <p:cNvPicPr>
+            <a:picLocks noChangeAspect="1"/>
+          </p:cNvPicPr>
+          <p:nvPr/>
+        </p:nvPicPr>
+        <p:blipFill>
+          <a:blip r:embed="rId9"/>
+          <a:stretch>
+            <a:fillRect/>
+          </a:stretch>
+        </p:blipFill>
+        <p:spPr>
+          <a:xfrm>
+            <a:off x="7115435" y="3213817"/>
+            <a:ext cx="3736051" cy="2590800"/>
           </a:xfrm>
           <a:prstGeom prst="rect">
             <a:avLst/>
@@ -5378,95 +6125,12 @@
           </a:prstGeom>
         </p:spPr>
       </p:pic>
-      <p:sp>
-        <p:nvSpPr>
-          <p:cNvPr id="3" name="CuadroTexto 2">
-            <a:extLst>
-              <a:ext uri="{FF2B5EF4-FFF2-40B4-BE49-F238E27FC236}">
-                <a16:creationId xmlns:a16="http://schemas.microsoft.com/office/drawing/2014/main" id="{9D34A500-5769-D654-1202-0B551652F9CD}"/>
-              </a:ext>
-            </a:extLst>
-          </p:cNvPr>
-          <p:cNvSpPr txBox="1"/>
-          <p:nvPr/>
-        </p:nvSpPr>
-        <p:spPr>
-          <a:xfrm>
-            <a:off x="3048681" y="221783"/>
-            <a:ext cx="6094638" cy="369332"/>
-          </a:xfrm>
-          <a:prstGeom prst="rect">
-            <a:avLst/>
-          </a:prstGeom>
-          <a:noFill/>
-        </p:spPr>
-        <p:txBody>
-          <a:bodyPr wrap="square">
-            <a:spAutoFit/>
-          </a:bodyPr>
-          <a:lstStyle/>
-          <a:p>
-            <a:pPr algn="ctr"/>
-            <a:r>
-              <a:rPr lang="es-ES" sz="1800" b="1" dirty="0">
-                <a:solidFill>
-                  <a:srgbClr val="A08EF1"/>
-                </a:solidFill>
-                <a:latin typeface="Arial" panose="020B0604020202020204" pitchFamily="34" charset="0"/>
-                <a:ea typeface="Roboto Black" panose="02000000000000000000" pitchFamily="2" charset="0"/>
-                <a:cs typeface="Arial" panose="020B0604020202020204" pitchFamily="34" charset="0"/>
-              </a:rPr>
-              <a:t>resultados</a:t>
-            </a:r>
-            <a:endParaRPr lang="es-CO" dirty="0">
-              <a:solidFill>
-                <a:srgbClr val="A08EF1"/>
-              </a:solidFill>
-            </a:endParaRPr>
-          </a:p>
-        </p:txBody>
-      </p:sp>
       <p:pic>
         <p:nvPicPr>
-          <p:cNvPr id="4" name="Imagen 3">
-            <a:extLst>
-              <a:ext uri="{FF2B5EF4-FFF2-40B4-BE49-F238E27FC236}">
-                <a16:creationId xmlns:a16="http://schemas.microsoft.com/office/drawing/2014/main" id="{9A79268F-A8B2-448B-A638-C85F671AC03F}"/>
-              </a:ext>
-            </a:extLst>
-          </p:cNvPr>
-          <p:cNvPicPr>
-            <a:picLocks noChangeAspect="1"/>
-          </p:cNvPicPr>
-          <p:nvPr/>
-        </p:nvPicPr>
-        <p:blipFill rotWithShape="1">
-          <a:blip r:embed="rId4">
-            <a:extLst>
-              <a:ext uri="{28A0092B-C50C-407E-A947-70E740481C1C}">
-                <a14:useLocalDpi xmlns:a14="http://schemas.microsoft.com/office/drawing/2010/main" val="0"/>
-              </a:ext>
-            </a:extLst>
-          </a:blip>
-          <a:srcRect l="50298"/>
-          <a:stretch/>
-        </p:blipFill>
-        <p:spPr>
-          <a:xfrm>
-            <a:off x="7066029" y="1265023"/>
-            <a:ext cx="4913869" cy="4327954"/>
-          </a:xfrm>
-          <a:prstGeom prst="rect">
-            <a:avLst/>
-          </a:prstGeom>
-        </p:spPr>
-      </p:pic>
-      <p:pic>
-        <p:nvPicPr>
-          <p:cNvPr id="7" name="Imagen 6">
-            <a:extLst>
-              <a:ext uri="{FF2B5EF4-FFF2-40B4-BE49-F238E27FC236}">
-                <a16:creationId xmlns:a16="http://schemas.microsoft.com/office/drawing/2014/main" id="{AC561633-B2C5-4545-9257-4D3EE7E8028A}"/>
+          <p:cNvPr id="5" name="Imagen 4">
+            <a:extLst>
+              <a:ext uri="{FF2B5EF4-FFF2-40B4-BE49-F238E27FC236}">
+                <a16:creationId xmlns:a16="http://schemas.microsoft.com/office/drawing/2014/main" id="{32925FBE-1B10-C9A7-751A-CF87DB0058B4}"/>
               </a:ext>
             </a:extLst>
           </p:cNvPr>
@@ -5476,21 +6140,75 @@
           <p:nvPr/>
         </p:nvPicPr>
         <p:blipFill>
-          <a:blip r:embed="rId5">
-            <a:extLst>
-              <a:ext uri="{28A0092B-C50C-407E-A947-70E740481C1C}">
-                <a14:useLocalDpi xmlns:a14="http://schemas.microsoft.com/office/drawing/2010/main" val="0"/>
-              </a:ext>
-            </a:extLst>
-          </a:blip>
+          <a:blip r:embed="rId4"/>
           <a:stretch>
             <a:fillRect/>
           </a:stretch>
         </p:blipFill>
         <p:spPr>
           <a:xfrm>
-            <a:off x="98855" y="831433"/>
-            <a:ext cx="6755072" cy="4379150"/>
+            <a:off x="1904623" y="812898"/>
+            <a:ext cx="3252278" cy="2747830"/>
+          </a:xfrm>
+          <a:prstGeom prst="rect">
+            <a:avLst/>
+          </a:prstGeom>
+        </p:spPr>
+      </p:pic>
+      <p:pic>
+        <p:nvPicPr>
+          <p:cNvPr id="9" name="Imagen 8">
+            <a:extLst>
+              <a:ext uri="{FF2B5EF4-FFF2-40B4-BE49-F238E27FC236}">
+                <a16:creationId xmlns:a16="http://schemas.microsoft.com/office/drawing/2014/main" id="{45E0B5E8-01EF-84D6-D22F-2AAB0BE1EA0A}"/>
+              </a:ext>
+            </a:extLst>
+          </p:cNvPr>
+          <p:cNvPicPr>
+            <a:picLocks noChangeAspect="1"/>
+          </p:cNvPicPr>
+          <p:nvPr/>
+        </p:nvPicPr>
+        <p:blipFill>
+          <a:blip r:embed="rId5"/>
+          <a:stretch>
+            <a:fillRect/>
+          </a:stretch>
+        </p:blipFill>
+        <p:spPr>
+          <a:xfrm>
+            <a:off x="5288433" y="787597"/>
+            <a:ext cx="3304275" cy="2747831"/>
+          </a:xfrm>
+          <a:prstGeom prst="rect">
+            <a:avLst/>
+          </a:prstGeom>
+        </p:spPr>
+      </p:pic>
+      <p:pic>
+        <p:nvPicPr>
+          <p:cNvPr id="11" name="Imagen 10">
+            <a:extLst>
+              <a:ext uri="{FF2B5EF4-FFF2-40B4-BE49-F238E27FC236}">
+                <a16:creationId xmlns:a16="http://schemas.microsoft.com/office/drawing/2014/main" id="{DC3A4363-8FDA-7D82-0D72-DEBBC0454512}"/>
+              </a:ext>
+            </a:extLst>
+          </p:cNvPr>
+          <p:cNvPicPr>
+            <a:picLocks noChangeAspect="1"/>
+          </p:cNvPicPr>
+          <p:nvPr/>
+        </p:nvPicPr>
+        <p:blipFill>
+          <a:blip r:embed="rId6"/>
+          <a:stretch>
+            <a:fillRect/>
+          </a:stretch>
+        </p:blipFill>
+        <p:spPr>
+          <a:xfrm>
+            <a:off x="1861773" y="3656692"/>
+            <a:ext cx="6590257" cy="2190894"/>
           </a:xfrm>
           <a:prstGeom prst="rect">
             <a:avLst/>
@@ -5521,6 +6239,12 @@
 </file>
 
 <file path=ppt/tags/tag10.xml><?xml version="1.0" encoding="utf-8"?>
+<p:tagLst xmlns:a="http://schemas.openxmlformats.org/drawingml/2006/main" xmlns:r="http://schemas.openxmlformats.org/officeDocument/2006/relationships" xmlns:p="http://schemas.openxmlformats.org/presentationml/2006/main">
+  <p:tag name="ARTICULATE_SLIDE_THUMBNAIL_REFRESH" val="1"/>
+</p:tagLst>
+</file>
+
+<file path=ppt/tags/tag11.xml><?xml version="1.0" encoding="utf-8"?>
 <p:tagLst xmlns:a="http://schemas.openxmlformats.org/drawingml/2006/main" xmlns:r="http://schemas.openxmlformats.org/officeDocument/2006/relationships" xmlns:p="http://schemas.openxmlformats.org/presentationml/2006/main">
   <p:tag name="ARTICULATE_SLIDE_THUMBNAIL_REFRESH" val="1"/>
 </p:tagLst>

--- a/Docuemtos_base/proyecto final.pptx
+++ b/Docuemtos_base/proyecto final.pptx
@@ -8,18 +8,19 @@
     <p:sldId id="316" r:id="rId2"/>
     <p:sldId id="262" r:id="rId3"/>
     <p:sldId id="317" r:id="rId4"/>
-    <p:sldId id="318" r:id="rId5"/>
-    <p:sldId id="319" r:id="rId6"/>
-    <p:sldId id="320" r:id="rId7"/>
-    <p:sldId id="321" r:id="rId8"/>
-    <p:sldId id="323" r:id="rId9"/>
-    <p:sldId id="322" r:id="rId10"/>
-    <p:sldId id="324" r:id="rId11"/>
+    <p:sldId id="325" r:id="rId5"/>
+    <p:sldId id="318" r:id="rId6"/>
+    <p:sldId id="319" r:id="rId7"/>
+    <p:sldId id="320" r:id="rId8"/>
+    <p:sldId id="321" r:id="rId9"/>
+    <p:sldId id="323" r:id="rId10"/>
+    <p:sldId id="322" r:id="rId11"/>
+    <p:sldId id="324" r:id="rId12"/>
   </p:sldIdLst>
   <p:sldSz cx="12192000" cy="6858000"/>
   <p:notesSz cx="6858000" cy="9144000"/>
   <p:custDataLst>
-    <p:tags r:id="rId12"/>
+    <p:tags r:id="rId13"/>
   </p:custDataLst>
   <p:defaultTextStyle>
     <a:defPPr>
@@ -273,7 +274,7 @@
           <a:p>
             <a:fld id="{20C7AFBE-F2C4-4925-8955-5790DBA5559D}" type="datetimeFigureOut">
               <a:rPr lang="es-CO" smtClean="0"/>
-              <a:t>22/08/2025</a:t>
+              <a:t>23/08/2025</a:t>
             </a:fld>
             <a:endParaRPr lang="es-CO"/>
           </a:p>
@@ -473,7 +474,7 @@
           <a:p>
             <a:fld id="{20C7AFBE-F2C4-4925-8955-5790DBA5559D}" type="datetimeFigureOut">
               <a:rPr lang="es-CO" smtClean="0"/>
-              <a:t>22/08/2025</a:t>
+              <a:t>23/08/2025</a:t>
             </a:fld>
             <a:endParaRPr lang="es-CO"/>
           </a:p>
@@ -683,7 +684,7 @@
           <a:p>
             <a:fld id="{20C7AFBE-F2C4-4925-8955-5790DBA5559D}" type="datetimeFigureOut">
               <a:rPr lang="es-CO" smtClean="0"/>
-              <a:t>22/08/2025</a:t>
+              <a:t>23/08/2025</a:t>
             </a:fld>
             <a:endParaRPr lang="es-CO"/>
           </a:p>
@@ -883,7 +884,7 @@
           <a:p>
             <a:fld id="{20C7AFBE-F2C4-4925-8955-5790DBA5559D}" type="datetimeFigureOut">
               <a:rPr lang="es-CO" smtClean="0"/>
-              <a:t>22/08/2025</a:t>
+              <a:t>23/08/2025</a:t>
             </a:fld>
             <a:endParaRPr lang="es-CO"/>
           </a:p>
@@ -1159,7 +1160,7 @@
           <a:p>
             <a:fld id="{20C7AFBE-F2C4-4925-8955-5790DBA5559D}" type="datetimeFigureOut">
               <a:rPr lang="es-CO" smtClean="0"/>
-              <a:t>22/08/2025</a:t>
+              <a:t>23/08/2025</a:t>
             </a:fld>
             <a:endParaRPr lang="es-CO"/>
           </a:p>
@@ -1427,7 +1428,7 @@
           <a:p>
             <a:fld id="{20C7AFBE-F2C4-4925-8955-5790DBA5559D}" type="datetimeFigureOut">
               <a:rPr lang="es-CO" smtClean="0"/>
-              <a:t>22/08/2025</a:t>
+              <a:t>23/08/2025</a:t>
             </a:fld>
             <a:endParaRPr lang="es-CO"/>
           </a:p>
@@ -1842,7 +1843,7 @@
           <a:p>
             <a:fld id="{20C7AFBE-F2C4-4925-8955-5790DBA5559D}" type="datetimeFigureOut">
               <a:rPr lang="es-CO" smtClean="0"/>
-              <a:t>22/08/2025</a:t>
+              <a:t>23/08/2025</a:t>
             </a:fld>
             <a:endParaRPr lang="es-CO"/>
           </a:p>
@@ -1984,7 +1985,7 @@
           <a:p>
             <a:fld id="{20C7AFBE-F2C4-4925-8955-5790DBA5559D}" type="datetimeFigureOut">
               <a:rPr lang="es-CO" smtClean="0"/>
-              <a:t>22/08/2025</a:t>
+              <a:t>23/08/2025</a:t>
             </a:fld>
             <a:endParaRPr lang="es-CO"/>
           </a:p>
@@ -2097,7 +2098,7 @@
           <a:p>
             <a:fld id="{20C7AFBE-F2C4-4925-8955-5790DBA5559D}" type="datetimeFigureOut">
               <a:rPr lang="es-CO" smtClean="0"/>
-              <a:t>22/08/2025</a:t>
+              <a:t>23/08/2025</a:t>
             </a:fld>
             <a:endParaRPr lang="es-CO"/>
           </a:p>
@@ -2410,7 +2411,7 @@
           <a:p>
             <a:fld id="{20C7AFBE-F2C4-4925-8955-5790DBA5559D}" type="datetimeFigureOut">
               <a:rPr lang="es-CO" smtClean="0"/>
-              <a:t>22/08/2025</a:t>
+              <a:t>23/08/2025</a:t>
             </a:fld>
             <a:endParaRPr lang="es-CO"/>
           </a:p>
@@ -2699,7 +2700,7 @@
           <a:p>
             <a:fld id="{20C7AFBE-F2C4-4925-8955-5790DBA5559D}" type="datetimeFigureOut">
               <a:rPr lang="es-CO" smtClean="0"/>
-              <a:t>22/08/2025</a:t>
+              <a:t>23/08/2025</a:t>
             </a:fld>
             <a:endParaRPr lang="es-CO"/>
           </a:p>
@@ -2942,7 +2943,7 @@
           <a:p>
             <a:fld id="{20C7AFBE-F2C4-4925-8955-5790DBA5559D}" type="datetimeFigureOut">
               <a:rPr lang="es-CO" smtClean="0"/>
-              <a:t>22/08/2025</a:t>
+              <a:t>23/08/2025</a:t>
             </a:fld>
             <a:endParaRPr lang="es-CO"/>
           </a:p>
@@ -3674,6 +3675,171 @@
         <p:cNvPr id="1" name="">
           <a:extLst>
             <a:ext uri="{FF2B5EF4-FFF2-40B4-BE49-F238E27FC236}">
+              <a16:creationId xmlns:a16="http://schemas.microsoft.com/office/drawing/2014/main" id="{97087D89-7859-4CC1-5469-B0BAE501AFDF}"/>
+            </a:ext>
+          </a:extLst>
+        </p:cNvPr>
+        <p:cNvGrpSpPr/>
+        <p:nvPr/>
+      </p:nvGrpSpPr>
+      <p:grpSpPr>
+        <a:xfrm>
+          <a:off x="0" y="0"/>
+          <a:ext cx="0" cy="0"/>
+          <a:chOff x="0" y="0"/>
+          <a:chExt cx="0" cy="0"/>
+        </a:xfrm>
+      </p:grpSpPr>
+      <p:pic>
+        <p:nvPicPr>
+          <p:cNvPr id="6" name="Picture 5" descr="A screenshot of a computer&#10;&#10;Description automatically generated">
+            <a:extLst>
+              <a:ext uri="{FF2B5EF4-FFF2-40B4-BE49-F238E27FC236}">
+                <a16:creationId xmlns:a16="http://schemas.microsoft.com/office/drawing/2014/main" id="{4FBD23F1-19E4-5946-F330-6E254871B539}"/>
+              </a:ext>
+            </a:extLst>
+          </p:cNvPr>
+          <p:cNvPicPr>
+            <a:picLocks noGrp="1" noRot="1" noChangeAspect="1" noMove="1" noResize="1" noEditPoints="1" noAdjustHandles="1" noChangeArrowheads="1" noChangeShapeType="1" noCrop="1"/>
+          </p:cNvPicPr>
+          <p:nvPr/>
+        </p:nvPicPr>
+        <p:blipFill>
+          <a:blip r:embed="rId3">
+            <a:extLst>
+              <a:ext uri="{28A0092B-C50C-407E-A947-70E740481C1C}">
+                <a14:useLocalDpi xmlns:a14="http://schemas.microsoft.com/office/drawing/2010/main" val="0"/>
+              </a:ext>
+            </a:extLst>
+          </a:blip>
+          <a:stretch>
+            <a:fillRect/>
+          </a:stretch>
+        </p:blipFill>
+        <p:spPr>
+          <a:xfrm>
+            <a:off x="0" y="0"/>
+            <a:ext cx="12192000" cy="6858000"/>
+          </a:xfrm>
+          <a:prstGeom prst="rect">
+            <a:avLst/>
+          </a:prstGeom>
+        </p:spPr>
+      </p:pic>
+      <p:pic>
+        <p:nvPicPr>
+          <p:cNvPr id="5" name="Imagen 4">
+            <a:extLst>
+              <a:ext uri="{FF2B5EF4-FFF2-40B4-BE49-F238E27FC236}">
+                <a16:creationId xmlns:a16="http://schemas.microsoft.com/office/drawing/2014/main" id="{32925FBE-1B10-C9A7-751A-CF87DB0058B4}"/>
+              </a:ext>
+            </a:extLst>
+          </p:cNvPr>
+          <p:cNvPicPr>
+            <a:picLocks noChangeAspect="1"/>
+          </p:cNvPicPr>
+          <p:nvPr/>
+        </p:nvPicPr>
+        <p:blipFill>
+          <a:blip r:embed="rId4"/>
+          <a:stretch>
+            <a:fillRect/>
+          </a:stretch>
+        </p:blipFill>
+        <p:spPr>
+          <a:xfrm>
+            <a:off x="1904623" y="812898"/>
+            <a:ext cx="3252278" cy="2747830"/>
+          </a:xfrm>
+          <a:prstGeom prst="rect">
+            <a:avLst/>
+          </a:prstGeom>
+        </p:spPr>
+      </p:pic>
+      <p:pic>
+        <p:nvPicPr>
+          <p:cNvPr id="9" name="Imagen 8">
+            <a:extLst>
+              <a:ext uri="{FF2B5EF4-FFF2-40B4-BE49-F238E27FC236}">
+                <a16:creationId xmlns:a16="http://schemas.microsoft.com/office/drawing/2014/main" id="{45E0B5E8-01EF-84D6-D22F-2AAB0BE1EA0A}"/>
+              </a:ext>
+            </a:extLst>
+          </p:cNvPr>
+          <p:cNvPicPr>
+            <a:picLocks noChangeAspect="1"/>
+          </p:cNvPicPr>
+          <p:nvPr/>
+        </p:nvPicPr>
+        <p:blipFill>
+          <a:blip r:embed="rId5"/>
+          <a:stretch>
+            <a:fillRect/>
+          </a:stretch>
+        </p:blipFill>
+        <p:spPr>
+          <a:xfrm>
+            <a:off x="5288433" y="787597"/>
+            <a:ext cx="3304275" cy="2747831"/>
+          </a:xfrm>
+          <a:prstGeom prst="rect">
+            <a:avLst/>
+          </a:prstGeom>
+        </p:spPr>
+      </p:pic>
+      <p:pic>
+        <p:nvPicPr>
+          <p:cNvPr id="11" name="Imagen 10">
+            <a:extLst>
+              <a:ext uri="{FF2B5EF4-FFF2-40B4-BE49-F238E27FC236}">
+                <a16:creationId xmlns:a16="http://schemas.microsoft.com/office/drawing/2014/main" id="{DC3A4363-8FDA-7D82-0D72-DEBBC0454512}"/>
+              </a:ext>
+            </a:extLst>
+          </p:cNvPr>
+          <p:cNvPicPr>
+            <a:picLocks noChangeAspect="1"/>
+          </p:cNvPicPr>
+          <p:nvPr/>
+        </p:nvPicPr>
+        <p:blipFill>
+          <a:blip r:embed="rId6"/>
+          <a:stretch>
+            <a:fillRect/>
+          </a:stretch>
+        </p:blipFill>
+        <p:spPr>
+          <a:xfrm>
+            <a:off x="1861773" y="3656692"/>
+            <a:ext cx="6590257" cy="2190894"/>
+          </a:xfrm>
+          <a:prstGeom prst="rect">
+            <a:avLst/>
+          </a:prstGeom>
+        </p:spPr>
+      </p:pic>
+    </p:spTree>
+    <p:custDataLst>
+      <p:tags r:id="rId1"/>
+    </p:custDataLst>
+    <p:extLst>
+      <p:ext uri="{BB962C8B-B14F-4D97-AF65-F5344CB8AC3E}">
+        <p14:creationId xmlns:p14="http://schemas.microsoft.com/office/powerpoint/2010/main" val="3397423876"/>
+      </p:ext>
+    </p:extLst>
+  </p:cSld>
+  <p:clrMapOvr>
+    <a:masterClrMapping/>
+  </p:clrMapOvr>
+</p:sld>
+</file>
+
+<file path=ppt/slides/slide11.xml><?xml version="1.0" encoding="utf-8"?>
+<p:sld xmlns:a="http://schemas.openxmlformats.org/drawingml/2006/main" xmlns:r="http://schemas.openxmlformats.org/officeDocument/2006/relationships" xmlns:p="http://schemas.openxmlformats.org/presentationml/2006/main">
+  <p:cSld>
+    <p:spTree>
+      <p:nvGrpSpPr>
+        <p:cNvPr id="1" name="">
+          <a:extLst>
+            <a:ext uri="{FF2B5EF4-FFF2-40B4-BE49-F238E27FC236}">
               <a16:creationId xmlns:a16="http://schemas.microsoft.com/office/drawing/2014/main" id="{E297F6D9-7E24-5FAA-D782-5E93A4DDA46F}"/>
             </a:ext>
           </a:extLst>
@@ -4480,6 +4646,201 @@
         <p:cNvPr id="1" name="">
           <a:extLst>
             <a:ext uri="{FF2B5EF4-FFF2-40B4-BE49-F238E27FC236}">
+              <a16:creationId xmlns:a16="http://schemas.microsoft.com/office/drawing/2014/main" id="{87BD2B4F-8CCB-4912-94FA-33CEF424FA03}"/>
+            </a:ext>
+          </a:extLst>
+        </p:cNvPr>
+        <p:cNvGrpSpPr/>
+        <p:nvPr/>
+      </p:nvGrpSpPr>
+      <p:grpSpPr>
+        <a:xfrm>
+          <a:off x="0" y="0"/>
+          <a:ext cx="0" cy="0"/>
+          <a:chOff x="0" y="0"/>
+          <a:chExt cx="0" cy="0"/>
+        </a:xfrm>
+      </p:grpSpPr>
+      <p:pic>
+        <p:nvPicPr>
+          <p:cNvPr id="6" name="Picture 5" descr="A screenshot of a computer&#10;&#10;Description automatically generated">
+            <a:extLst>
+              <a:ext uri="{FF2B5EF4-FFF2-40B4-BE49-F238E27FC236}">
+                <a16:creationId xmlns:a16="http://schemas.microsoft.com/office/drawing/2014/main" id="{9F2BBDF7-F4B7-1A3F-C62F-CD0BB92B9D6A}"/>
+              </a:ext>
+            </a:extLst>
+          </p:cNvPr>
+          <p:cNvPicPr>
+            <a:picLocks noGrp="1" noRot="1" noChangeAspect="1" noMove="1" noResize="1" noEditPoints="1" noAdjustHandles="1" noChangeArrowheads="1" noChangeShapeType="1" noCrop="1"/>
+          </p:cNvPicPr>
+          <p:nvPr/>
+        </p:nvPicPr>
+        <p:blipFill>
+          <a:blip r:embed="rId3">
+            <a:extLst>
+              <a:ext uri="{28A0092B-C50C-407E-A947-70E740481C1C}">
+                <a14:useLocalDpi xmlns:a14="http://schemas.microsoft.com/office/drawing/2010/main" val="0"/>
+              </a:ext>
+            </a:extLst>
+          </a:blip>
+          <a:stretch>
+            <a:fillRect/>
+          </a:stretch>
+        </p:blipFill>
+        <p:spPr>
+          <a:xfrm>
+            <a:off x="0" y="0"/>
+            <a:ext cx="12192000" cy="6858000"/>
+          </a:xfrm>
+          <a:prstGeom prst="rect">
+            <a:avLst/>
+          </a:prstGeom>
+        </p:spPr>
+      </p:pic>
+      <p:sp>
+        <p:nvSpPr>
+          <p:cNvPr id="3" name="CuadroTexto 2">
+            <a:extLst>
+              <a:ext uri="{FF2B5EF4-FFF2-40B4-BE49-F238E27FC236}">
+                <a16:creationId xmlns:a16="http://schemas.microsoft.com/office/drawing/2014/main" id="{B0608C06-BB2A-ED68-DE63-8FE8D3E8160F}"/>
+              </a:ext>
+            </a:extLst>
+          </p:cNvPr>
+          <p:cNvSpPr txBox="1"/>
+          <p:nvPr/>
+        </p:nvSpPr>
+        <p:spPr>
+          <a:xfrm>
+            <a:off x="3048681" y="583680"/>
+            <a:ext cx="6094638" cy="369332"/>
+          </a:xfrm>
+          <a:prstGeom prst="rect">
+            <a:avLst/>
+          </a:prstGeom>
+          <a:noFill/>
+        </p:spPr>
+        <p:txBody>
+          <a:bodyPr wrap="square">
+            <a:spAutoFit/>
+          </a:bodyPr>
+          <a:lstStyle/>
+          <a:p>
+            <a:pPr algn="ctr"/>
+            <a:r>
+              <a:rPr lang="en-US" b="1" dirty="0" err="1">
+                <a:solidFill>
+                  <a:srgbClr val="A08EF1"/>
+                </a:solidFill>
+                <a:latin typeface="Arial" panose="020B0604020202020204" pitchFamily="34" charset="0"/>
+                <a:ea typeface="Roboto Black" panose="02000000000000000000" pitchFamily="2" charset="0"/>
+                <a:cs typeface="Arial" panose="020B0604020202020204" pitchFamily="34" charset="0"/>
+              </a:rPr>
+              <a:t>Metodología</a:t>
+            </a:r>
+            <a:endParaRPr lang="es-CO" dirty="0">
+              <a:solidFill>
+                <a:srgbClr val="A08EF1"/>
+              </a:solidFill>
+            </a:endParaRPr>
+          </a:p>
+        </p:txBody>
+      </p:sp>
+      <p:pic>
+        <p:nvPicPr>
+          <p:cNvPr id="7" name="Imagen 6">
+            <a:extLst>
+              <a:ext uri="{FF2B5EF4-FFF2-40B4-BE49-F238E27FC236}">
+                <a16:creationId xmlns:a16="http://schemas.microsoft.com/office/drawing/2014/main" id="{CE6786E2-D3B1-F24C-0A54-5C31059AE0F1}"/>
+              </a:ext>
+            </a:extLst>
+          </p:cNvPr>
+          <p:cNvPicPr>
+            <a:picLocks noChangeAspect="1"/>
+          </p:cNvPicPr>
+          <p:nvPr/>
+        </p:nvPicPr>
+        <p:blipFill>
+          <a:blip r:embed="rId4"/>
+          <a:stretch>
+            <a:fillRect/>
+          </a:stretch>
+        </p:blipFill>
+        <p:spPr>
+          <a:xfrm>
+            <a:off x="1585283" y="3429000"/>
+            <a:ext cx="9021434" cy="1667108"/>
+          </a:xfrm>
+          <a:prstGeom prst="rect">
+            <a:avLst/>
+          </a:prstGeom>
+        </p:spPr>
+      </p:pic>
+      <p:sp>
+        <p:nvSpPr>
+          <p:cNvPr id="9" name="CuadroTexto 8">
+            <a:extLst>
+              <a:ext uri="{FF2B5EF4-FFF2-40B4-BE49-F238E27FC236}">
+                <a16:creationId xmlns:a16="http://schemas.microsoft.com/office/drawing/2014/main" id="{4A6608DB-E6E3-43F2-D360-0957513CE0F2}"/>
+              </a:ext>
+            </a:extLst>
+          </p:cNvPr>
+          <p:cNvSpPr txBox="1"/>
+          <p:nvPr/>
+        </p:nvSpPr>
+        <p:spPr>
+          <a:xfrm>
+            <a:off x="1585283" y="1313843"/>
+            <a:ext cx="8923493" cy="1754326"/>
+          </a:xfrm>
+          <a:prstGeom prst="rect">
+            <a:avLst/>
+          </a:prstGeom>
+          <a:noFill/>
+        </p:spPr>
+        <p:txBody>
+          <a:bodyPr wrap="square" rtlCol="0">
+            <a:spAutoFit/>
+          </a:bodyPr>
+          <a:lstStyle/>
+          <a:p>
+            <a:r>
+              <a:rPr lang="es-ES" dirty="0"/>
+              <a:t>Realizamos un análisis de filtrado de 3 datas diferentes 1 de datos libres con los datos epidemiológicos de los casos de dengue, y otras 2 del IDEAM una de datos de precipitación mensual, y otro de temperatura, agrupando para cada municipio los datos casos de Dengue, precipitación y temperatura para los datos entre enero de 2018 y diciembre de 2023.</a:t>
+            </a:r>
+          </a:p>
+          <a:p>
+            <a:r>
+              <a:rPr lang="es-ES" dirty="0"/>
+              <a:t>Datos con los cuales alimentamos un modelo predictivo Hibrido, para predecir la cantidad de casos de Dengue según unas variables de entrada.</a:t>
+            </a:r>
+            <a:endParaRPr lang="es-CO" dirty="0"/>
+          </a:p>
+        </p:txBody>
+      </p:sp>
+    </p:spTree>
+    <p:custDataLst>
+      <p:tags r:id="rId1"/>
+    </p:custDataLst>
+    <p:extLst>
+      <p:ext uri="{BB962C8B-B14F-4D97-AF65-F5344CB8AC3E}">
+        <p14:creationId xmlns:p14="http://schemas.microsoft.com/office/powerpoint/2010/main" val="3762825391"/>
+      </p:ext>
+    </p:extLst>
+  </p:cSld>
+  <p:clrMapOvr>
+    <a:masterClrMapping/>
+  </p:clrMapOvr>
+</p:sld>
+</file>
+
+<file path=ppt/slides/slide5.xml><?xml version="1.0" encoding="utf-8"?>
+<p:sld xmlns:a="http://schemas.openxmlformats.org/drawingml/2006/main" xmlns:r="http://schemas.openxmlformats.org/officeDocument/2006/relationships" xmlns:p="http://schemas.openxmlformats.org/presentationml/2006/main">
+  <p:cSld>
+    <p:spTree>
+      <p:nvGrpSpPr>
+        <p:cNvPr id="1" name="">
+          <a:extLst>
+            <a:ext uri="{FF2B5EF4-FFF2-40B4-BE49-F238E27FC236}">
               <a16:creationId xmlns:a16="http://schemas.microsoft.com/office/drawing/2014/main" id="{DF9EFE67-4F5E-0909-9C28-EB473BE9A32D}"/>
             </a:ext>
           </a:extLst>
@@ -4593,15 +4954,15 @@
         </p:nvSpPr>
         <p:spPr>
           <a:xfrm>
-            <a:off x="5824220" y="1674674"/>
-            <a:ext cx="6096000" cy="2585323"/>
+            <a:off x="6096000" y="1249951"/>
+            <a:ext cx="4924173" cy="2585323"/>
           </a:xfrm>
           <a:prstGeom prst="rect">
             <a:avLst/>
           </a:prstGeom>
         </p:spPr>
         <p:txBody>
-          <a:bodyPr>
+          <a:bodyPr wrap="square">
             <a:spAutoFit/>
           </a:bodyPr>
           <a:lstStyle/>
@@ -4674,8 +5035,8 @@
         </p:nvSpPr>
         <p:spPr>
           <a:xfrm>
-            <a:off x="177800" y="1674674"/>
-            <a:ext cx="5179060" cy="1477328"/>
+            <a:off x="271780" y="1249951"/>
+            <a:ext cx="5179060" cy="1754326"/>
           </a:xfrm>
           <a:prstGeom prst="rect">
             <a:avLst/>
@@ -4702,7 +5063,7 @@
             </a:br>
             <a:r>
               <a:rPr lang="es-ES" dirty="0"/>
-              <a:t>Desarrollar un modelo predictivo de casos de Dengue en el Caquetá a partir del análisis de datos históricos de contagio y variables meteorológicas, con el fin de apoyar la prevención y control de la enfermedad.</a:t>
+              <a:t>Desarrollar un modelo predictivo de casos de Dengue en el Caquetá a partir del análisis de datos históricos de contagio y variables meteorológicas, con el fin de apoyar la prevención y control de una enfermedad, que afecta especialmente a los más pequeños.</a:t>
             </a:r>
             <a:endParaRPr lang="es-ES" dirty="0">
               <a:latin typeface="Arial" panose="020B0604020202020204" pitchFamily="34" charset="0"/>
@@ -4805,6 +5166,43 @@
           </a:p>
         </p:txBody>
       </p:sp>
+      <p:pic>
+        <p:nvPicPr>
+          <p:cNvPr id="9" name="Imagen 8" descr="Gráfico, Gráfico circular&#10;&#10;El contenido generado por IA puede ser incorrecto.">
+            <a:extLst>
+              <a:ext uri="{FF2B5EF4-FFF2-40B4-BE49-F238E27FC236}">
+                <a16:creationId xmlns:a16="http://schemas.microsoft.com/office/drawing/2014/main" id="{03CEAFBC-5F72-1609-EA97-EDCBB8775927}"/>
+              </a:ext>
+            </a:extLst>
+          </p:cNvPr>
+          <p:cNvPicPr>
+            <a:picLocks noChangeAspect="1"/>
+          </p:cNvPicPr>
+          <p:nvPr/>
+        </p:nvPicPr>
+        <p:blipFill>
+          <a:blip r:embed="rId4">
+            <a:extLst>
+              <a:ext uri="{28A0092B-C50C-407E-A947-70E740481C1C}">
+                <a14:useLocalDpi xmlns:a14="http://schemas.microsoft.com/office/drawing/2010/main" val="0"/>
+              </a:ext>
+            </a:extLst>
+          </a:blip>
+          <a:srcRect l="32605" t="6959" r="28241" b="8787"/>
+          <a:stretch>
+            <a:fillRect/>
+          </a:stretch>
+        </p:blipFill>
+        <p:spPr>
+          <a:xfrm>
+            <a:off x="1443607" y="3004277"/>
+            <a:ext cx="2835405" cy="3026948"/>
+          </a:xfrm>
+          <a:prstGeom prst="rect">
+            <a:avLst/>
+          </a:prstGeom>
+        </p:spPr>
+      </p:pic>
     </p:spTree>
     <p:custDataLst>
       <p:tags r:id="rId1"/>
@@ -4821,7 +5219,7 @@
 </p:sld>
 </file>
 
-<file path=ppt/slides/slide5.xml><?xml version="1.0" encoding="utf-8"?>
+<file path=ppt/slides/slide6.xml><?xml version="1.0" encoding="utf-8"?>
 <p:sld xmlns:a="http://schemas.openxmlformats.org/drawingml/2006/main" xmlns:r="http://schemas.openxmlformats.org/officeDocument/2006/relationships" xmlns:p="http://schemas.openxmlformats.org/presentationml/2006/main">
   <p:cSld>
     <p:spTree>
@@ -5017,45 +5415,8 @@
         </p:blipFill>
         <p:spPr>
           <a:xfrm>
-            <a:off x="5409076" y="1171225"/>
-            <a:ext cx="3315824" cy="3709967"/>
-          </a:xfrm>
-          <a:prstGeom prst="rect">
-            <a:avLst/>
-          </a:prstGeom>
-        </p:spPr>
-      </p:pic>
-      <p:pic>
-        <p:nvPicPr>
-          <p:cNvPr id="9" name="Imagen 8" descr="Gráfico, Gráfico circular&#10;&#10;El contenido generado por IA puede ser incorrecto.">
-            <a:extLst>
-              <a:ext uri="{FF2B5EF4-FFF2-40B4-BE49-F238E27FC236}">
-                <a16:creationId xmlns:a16="http://schemas.microsoft.com/office/drawing/2014/main" id="{03CEAFBC-5F72-1609-EA97-EDCBB8775927}"/>
-              </a:ext>
-            </a:extLst>
-          </p:cNvPr>
-          <p:cNvPicPr>
-            <a:picLocks noChangeAspect="1"/>
-          </p:cNvPicPr>
-          <p:nvPr/>
-        </p:nvPicPr>
-        <p:blipFill>
-          <a:blip r:embed="rId5">
-            <a:extLst>
-              <a:ext uri="{28A0092B-C50C-407E-A947-70E740481C1C}">
-                <a14:useLocalDpi xmlns:a14="http://schemas.microsoft.com/office/drawing/2010/main" val="0"/>
-              </a:ext>
-            </a:extLst>
-          </a:blip>
-          <a:srcRect l="32605" t="6959" r="28241" b="8787"/>
-          <a:stretch>
-            <a:fillRect/>
-          </a:stretch>
-        </p:blipFill>
-        <p:spPr>
-          <a:xfrm>
-            <a:off x="8522922" y="1082040"/>
-            <a:ext cx="3425238" cy="3656627"/>
+            <a:off x="5613792" y="658164"/>
+            <a:ext cx="4952931" cy="5541672"/>
           </a:xfrm>
           <a:prstGeom prst="rect">
             <a:avLst/>
@@ -5078,7 +5439,7 @@
 </p:sld>
 </file>
 
-<file path=ppt/slides/slide6.xml><?xml version="1.0" encoding="utf-8"?>
+<file path=ppt/slides/slide7.xml><?xml version="1.0" encoding="utf-8"?>
 <p:sld xmlns:a="http://schemas.openxmlformats.org/drawingml/2006/main" xmlns:r="http://schemas.openxmlformats.org/officeDocument/2006/relationships" xmlns:p="http://schemas.openxmlformats.org/presentationml/2006/main">
   <p:cSld>
     <p:spTree>
@@ -5317,7 +5678,7 @@
 </p:sld>
 </file>
 
-<file path=ppt/slides/slide7.xml><?xml version="1.0" encoding="utf-8"?>
+<file path=ppt/slides/slide8.xml><?xml version="1.0" encoding="utf-8"?>
 <p:sld xmlns:a="http://schemas.openxmlformats.org/drawingml/2006/main" xmlns:r="http://schemas.openxmlformats.org/officeDocument/2006/relationships" xmlns:p="http://schemas.openxmlformats.org/presentationml/2006/main">
   <p:cSld>
     <p:spTree>
@@ -5760,7 +6121,7 @@
 </p:sld>
 </file>
 
-<file path=ppt/slides/slide8.xml><?xml version="1.0" encoding="utf-8"?>
+<file path=ppt/slides/slide9.xml><?xml version="1.0" encoding="utf-8"?>
 <p:sld xmlns:a="http://schemas.openxmlformats.org/drawingml/2006/main" xmlns:r="http://schemas.openxmlformats.org/officeDocument/2006/relationships" xmlns:p="http://schemas.openxmlformats.org/presentationml/2006/main">
   <p:cSld>
     <p:spTree>
@@ -6066,171 +6427,6 @@
 </p:sld>
 </file>
 
-<file path=ppt/slides/slide9.xml><?xml version="1.0" encoding="utf-8"?>
-<p:sld xmlns:a="http://schemas.openxmlformats.org/drawingml/2006/main" xmlns:r="http://schemas.openxmlformats.org/officeDocument/2006/relationships" xmlns:p="http://schemas.openxmlformats.org/presentationml/2006/main">
-  <p:cSld>
-    <p:spTree>
-      <p:nvGrpSpPr>
-        <p:cNvPr id="1" name="">
-          <a:extLst>
-            <a:ext uri="{FF2B5EF4-FFF2-40B4-BE49-F238E27FC236}">
-              <a16:creationId xmlns:a16="http://schemas.microsoft.com/office/drawing/2014/main" id="{97087D89-7859-4CC1-5469-B0BAE501AFDF}"/>
-            </a:ext>
-          </a:extLst>
-        </p:cNvPr>
-        <p:cNvGrpSpPr/>
-        <p:nvPr/>
-      </p:nvGrpSpPr>
-      <p:grpSpPr>
-        <a:xfrm>
-          <a:off x="0" y="0"/>
-          <a:ext cx="0" cy="0"/>
-          <a:chOff x="0" y="0"/>
-          <a:chExt cx="0" cy="0"/>
-        </a:xfrm>
-      </p:grpSpPr>
-      <p:pic>
-        <p:nvPicPr>
-          <p:cNvPr id="6" name="Picture 5" descr="A screenshot of a computer&#10;&#10;Description automatically generated">
-            <a:extLst>
-              <a:ext uri="{FF2B5EF4-FFF2-40B4-BE49-F238E27FC236}">
-                <a16:creationId xmlns:a16="http://schemas.microsoft.com/office/drawing/2014/main" id="{4FBD23F1-19E4-5946-F330-6E254871B539}"/>
-              </a:ext>
-            </a:extLst>
-          </p:cNvPr>
-          <p:cNvPicPr>
-            <a:picLocks noGrp="1" noRot="1" noChangeAspect="1" noMove="1" noResize="1" noEditPoints="1" noAdjustHandles="1" noChangeArrowheads="1" noChangeShapeType="1" noCrop="1"/>
-          </p:cNvPicPr>
-          <p:nvPr/>
-        </p:nvPicPr>
-        <p:blipFill>
-          <a:blip r:embed="rId3">
-            <a:extLst>
-              <a:ext uri="{28A0092B-C50C-407E-A947-70E740481C1C}">
-                <a14:useLocalDpi xmlns:a14="http://schemas.microsoft.com/office/drawing/2010/main" val="0"/>
-              </a:ext>
-            </a:extLst>
-          </a:blip>
-          <a:stretch>
-            <a:fillRect/>
-          </a:stretch>
-        </p:blipFill>
-        <p:spPr>
-          <a:xfrm>
-            <a:off x="0" y="0"/>
-            <a:ext cx="12192000" cy="6858000"/>
-          </a:xfrm>
-          <a:prstGeom prst="rect">
-            <a:avLst/>
-          </a:prstGeom>
-        </p:spPr>
-      </p:pic>
-      <p:pic>
-        <p:nvPicPr>
-          <p:cNvPr id="5" name="Imagen 4">
-            <a:extLst>
-              <a:ext uri="{FF2B5EF4-FFF2-40B4-BE49-F238E27FC236}">
-                <a16:creationId xmlns:a16="http://schemas.microsoft.com/office/drawing/2014/main" id="{32925FBE-1B10-C9A7-751A-CF87DB0058B4}"/>
-              </a:ext>
-            </a:extLst>
-          </p:cNvPr>
-          <p:cNvPicPr>
-            <a:picLocks noChangeAspect="1"/>
-          </p:cNvPicPr>
-          <p:nvPr/>
-        </p:nvPicPr>
-        <p:blipFill>
-          <a:blip r:embed="rId4"/>
-          <a:stretch>
-            <a:fillRect/>
-          </a:stretch>
-        </p:blipFill>
-        <p:spPr>
-          <a:xfrm>
-            <a:off x="1904623" y="812898"/>
-            <a:ext cx="3252278" cy="2747830"/>
-          </a:xfrm>
-          <a:prstGeom prst="rect">
-            <a:avLst/>
-          </a:prstGeom>
-        </p:spPr>
-      </p:pic>
-      <p:pic>
-        <p:nvPicPr>
-          <p:cNvPr id="9" name="Imagen 8">
-            <a:extLst>
-              <a:ext uri="{FF2B5EF4-FFF2-40B4-BE49-F238E27FC236}">
-                <a16:creationId xmlns:a16="http://schemas.microsoft.com/office/drawing/2014/main" id="{45E0B5E8-01EF-84D6-D22F-2AAB0BE1EA0A}"/>
-              </a:ext>
-            </a:extLst>
-          </p:cNvPr>
-          <p:cNvPicPr>
-            <a:picLocks noChangeAspect="1"/>
-          </p:cNvPicPr>
-          <p:nvPr/>
-        </p:nvPicPr>
-        <p:blipFill>
-          <a:blip r:embed="rId5"/>
-          <a:stretch>
-            <a:fillRect/>
-          </a:stretch>
-        </p:blipFill>
-        <p:spPr>
-          <a:xfrm>
-            <a:off x="5288433" y="787597"/>
-            <a:ext cx="3304275" cy="2747831"/>
-          </a:xfrm>
-          <a:prstGeom prst="rect">
-            <a:avLst/>
-          </a:prstGeom>
-        </p:spPr>
-      </p:pic>
-      <p:pic>
-        <p:nvPicPr>
-          <p:cNvPr id="11" name="Imagen 10">
-            <a:extLst>
-              <a:ext uri="{FF2B5EF4-FFF2-40B4-BE49-F238E27FC236}">
-                <a16:creationId xmlns:a16="http://schemas.microsoft.com/office/drawing/2014/main" id="{DC3A4363-8FDA-7D82-0D72-DEBBC0454512}"/>
-              </a:ext>
-            </a:extLst>
-          </p:cNvPr>
-          <p:cNvPicPr>
-            <a:picLocks noChangeAspect="1"/>
-          </p:cNvPicPr>
-          <p:nvPr/>
-        </p:nvPicPr>
-        <p:blipFill>
-          <a:blip r:embed="rId6"/>
-          <a:stretch>
-            <a:fillRect/>
-          </a:stretch>
-        </p:blipFill>
-        <p:spPr>
-          <a:xfrm>
-            <a:off x="1861773" y="3656692"/>
-            <a:ext cx="6590257" cy="2190894"/>
-          </a:xfrm>
-          <a:prstGeom prst="rect">
-            <a:avLst/>
-          </a:prstGeom>
-        </p:spPr>
-      </p:pic>
-    </p:spTree>
-    <p:custDataLst>
-      <p:tags r:id="rId1"/>
-    </p:custDataLst>
-    <p:extLst>
-      <p:ext uri="{BB962C8B-B14F-4D97-AF65-F5344CB8AC3E}">
-        <p14:creationId xmlns:p14="http://schemas.microsoft.com/office/powerpoint/2010/main" val="3397423876"/>
-      </p:ext>
-    </p:extLst>
-  </p:cSld>
-  <p:clrMapOvr>
-    <a:masterClrMapping/>
-  </p:clrMapOvr>
-</p:sld>
-</file>
-
 <file path=ppt/tags/tag1.xml><?xml version="1.0" encoding="utf-8"?>
 <p:tagLst xmlns:a="http://schemas.openxmlformats.org/drawingml/2006/main" xmlns:r="http://schemas.openxmlformats.org/officeDocument/2006/relationships" xmlns:p="http://schemas.openxmlformats.org/presentationml/2006/main">
   <p:tag name="ARTICULATE_SLIDE_COUNT" val="2"/>
@@ -6245,6 +6441,12 @@
 </file>
 
 <file path=ppt/tags/tag11.xml><?xml version="1.0" encoding="utf-8"?>
+<p:tagLst xmlns:a="http://schemas.openxmlformats.org/drawingml/2006/main" xmlns:r="http://schemas.openxmlformats.org/officeDocument/2006/relationships" xmlns:p="http://schemas.openxmlformats.org/presentationml/2006/main">
+  <p:tag name="ARTICULATE_SLIDE_THUMBNAIL_REFRESH" val="1"/>
+</p:tagLst>
+</file>
+
+<file path=ppt/tags/tag12.xml><?xml version="1.0" encoding="utf-8"?>
 <p:tagLst xmlns:a="http://schemas.openxmlformats.org/drawingml/2006/main" xmlns:r="http://schemas.openxmlformats.org/officeDocument/2006/relationships" xmlns:p="http://schemas.openxmlformats.org/presentationml/2006/main">
   <p:tag name="ARTICULATE_SLIDE_THUMBNAIL_REFRESH" val="1"/>
 </p:tagLst>
